--- a/esercitazioni/Laboratory_22-23/Session_3/Lab_03_Slides.pptx
+++ b/esercitazioni/Laboratory_22-23/Session_3/Lab_03_Slides.pptx
@@ -307,7 +307,7 @@
           <a:p>
             <a:fld id="{4AAD347D-5ACD-4C99-B74B-A9C85AD731AF}" type="datetimeFigureOut">
               <a:rPr lang="en-US" dirty="0"/>
-              <a:t>10/14/2022</a:t>
+              <a:t>10/25/2022</a:t>
             </a:fld>
             <a:endParaRPr lang="en-US" dirty="0"/>
           </a:p>
@@ -582,7 +582,7 @@
           <a:p>
             <a:fld id="{4509A250-FF31-4206-8172-F9D3106AACB1}" type="datetimeFigureOut">
               <a:rPr lang="en-US" dirty="0"/>
-              <a:t>10/14/2022</a:t>
+              <a:t>10/25/2022</a:t>
             </a:fld>
             <a:endParaRPr lang="en-US" dirty="0"/>
           </a:p>
@@ -776,7 +776,7 @@
           <a:p>
             <a:fld id="{4509A250-FF31-4206-8172-F9D3106AACB1}" type="datetimeFigureOut">
               <a:rPr lang="en-US" dirty="0"/>
-              <a:t>10/14/2022</a:t>
+              <a:t>10/25/2022</a:t>
             </a:fld>
             <a:endParaRPr lang="en-US" dirty="0"/>
           </a:p>
@@ -1049,7 +1049,7 @@
           <a:p>
             <a:fld id="{4509A250-FF31-4206-8172-F9D3106AACB1}" type="datetimeFigureOut">
               <a:rPr lang="en-US" dirty="0"/>
-              <a:t>10/14/2022</a:t>
+              <a:t>10/25/2022</a:t>
             </a:fld>
             <a:endParaRPr lang="en-US" dirty="0"/>
           </a:p>
@@ -1390,7 +1390,7 @@
           <a:p>
             <a:fld id="{4509A250-FF31-4206-8172-F9D3106AACB1}" type="datetimeFigureOut">
               <a:rPr lang="en-US" dirty="0"/>
-              <a:t>10/14/2022</a:t>
+              <a:t>10/25/2022</a:t>
             </a:fld>
             <a:endParaRPr lang="en-US" dirty="0"/>
           </a:p>
@@ -2013,7 +2013,7 @@
           <a:p>
             <a:fld id="{4509A250-FF31-4206-8172-F9D3106AACB1}" type="datetimeFigureOut">
               <a:rPr lang="en-US" dirty="0"/>
-              <a:t>10/14/2022</a:t>
+              <a:t>10/25/2022</a:t>
             </a:fld>
             <a:endParaRPr lang="en-US" dirty="0"/>
           </a:p>
@@ -2873,7 +2873,7 @@
           <a:p>
             <a:fld id="{4509A250-FF31-4206-8172-F9D3106AACB1}" type="datetimeFigureOut">
               <a:rPr lang="en-US" dirty="0"/>
-              <a:t>10/14/2022</a:t>
+              <a:t>10/25/2022</a:t>
             </a:fld>
             <a:endParaRPr lang="en-US" dirty="0"/>
           </a:p>
@@ -3043,7 +3043,7 @@
           <a:p>
             <a:fld id="{4509A250-FF31-4206-8172-F9D3106AACB1}" type="datetimeFigureOut">
               <a:rPr lang="en-US" dirty="0"/>
-              <a:t>10/14/2022</a:t>
+              <a:t>10/25/2022</a:t>
             </a:fld>
             <a:endParaRPr lang="en-US" dirty="0"/>
           </a:p>
@@ -3223,7 +3223,7 @@
           <a:p>
             <a:fld id="{4509A250-FF31-4206-8172-F9D3106AACB1}" type="datetimeFigureOut">
               <a:rPr lang="en-US" dirty="0"/>
-              <a:t>10/14/2022</a:t>
+              <a:t>10/25/2022</a:t>
             </a:fld>
             <a:endParaRPr lang="en-US" dirty="0"/>
           </a:p>
@@ -3486,7 +3486,7 @@
           <a:p>
             <a:fld id="{4509A250-FF31-4206-8172-F9D3106AACB1}" type="datetimeFigureOut">
               <a:rPr lang="en-US" dirty="0"/>
-              <a:t>10/14/2022</a:t>
+              <a:t>10/25/2022</a:t>
             </a:fld>
             <a:endParaRPr lang="en-US" dirty="0"/>
           </a:p>
@@ -3733,7 +3733,7 @@
           <a:p>
             <a:fld id="{9796027F-7875-4030-9381-8BD8C4F21935}" type="datetimeFigureOut">
               <a:rPr lang="en-US" dirty="0"/>
-              <a:t>10/14/2022</a:t>
+              <a:t>10/25/2022</a:t>
             </a:fld>
             <a:endParaRPr lang="en-US" dirty="0"/>
           </a:p>
@@ -4025,7 +4025,7 @@
           <a:p>
             <a:fld id="{9796027F-7875-4030-9381-8BD8C4F21935}" type="datetimeFigureOut">
               <a:rPr lang="en-US" dirty="0"/>
-              <a:t>10/14/2022</a:t>
+              <a:t>10/25/2022</a:t>
             </a:fld>
             <a:endParaRPr lang="en-US" dirty="0"/>
           </a:p>
@@ -4469,7 +4469,7 @@
           <a:p>
             <a:fld id="{9796027F-7875-4030-9381-8BD8C4F21935}" type="datetimeFigureOut">
               <a:rPr lang="en-US" dirty="0"/>
-              <a:t>10/14/2022</a:t>
+              <a:t>10/25/2022</a:t>
             </a:fld>
             <a:endParaRPr lang="en-US" dirty="0"/>
           </a:p>
@@ -4587,7 +4587,7 @@
           <a:p>
             <a:fld id="{4509A250-FF31-4206-8172-F9D3106AACB1}" type="datetimeFigureOut">
               <a:rPr lang="en-US" dirty="0"/>
-              <a:t>10/14/2022</a:t>
+              <a:t>10/25/2022</a:t>
             </a:fld>
             <a:endParaRPr lang="en-US" dirty="0"/>
           </a:p>
@@ -4682,7 +4682,7 @@
           <a:p>
             <a:fld id="{4509A250-FF31-4206-8172-F9D3106AACB1}" type="datetimeFigureOut">
               <a:rPr lang="en-US" dirty="0"/>
-              <a:t>10/14/2022</a:t>
+              <a:t>10/25/2022</a:t>
             </a:fld>
             <a:endParaRPr lang="en-US" dirty="0"/>
           </a:p>
@@ -4961,7 +4961,7 @@
           <a:p>
             <a:fld id="{4509A250-FF31-4206-8172-F9D3106AACB1}" type="datetimeFigureOut">
               <a:rPr lang="en-US" dirty="0"/>
-              <a:t>10/14/2022</a:t>
+              <a:t>10/25/2022</a:t>
             </a:fld>
             <a:endParaRPr lang="en-US" dirty="0"/>
           </a:p>
@@ -5236,7 +5236,7 @@
           <a:p>
             <a:fld id="{4509A250-FF31-4206-8172-F9D3106AACB1}" type="datetimeFigureOut">
               <a:rPr lang="en-US" dirty="0"/>
-              <a:t>10/14/2022</a:t>
+              <a:t>10/25/2022</a:t>
             </a:fld>
             <a:endParaRPr lang="en-US" dirty="0"/>
           </a:p>
@@ -5665,7 +5665,7 @@
           <a:p>
             <a:fld id="{4AAD347D-5ACD-4C99-B74B-A9C85AD731AF}" type="datetimeFigureOut">
               <a:rPr lang="en-US" dirty="0"/>
-              <a:t>10/14/2022</a:t>
+              <a:t>10/25/2022</a:t>
             </a:fld>
             <a:endParaRPr lang="en-US" dirty="0"/>
           </a:p>

--- a/esercitazioni/Laboratory_22-23/Session_3/Lab_03_Slides.pptx
+++ b/esercitazioni/Laboratory_22-23/Session_3/Lab_03_Slides.pptx
@@ -8,13 +8,14 @@
     <p:sldId id="256" r:id="rId2"/>
     <p:sldId id="257" r:id="rId3"/>
     <p:sldId id="258" r:id="rId4"/>
-    <p:sldId id="259" r:id="rId5"/>
-    <p:sldId id="260" r:id="rId6"/>
-    <p:sldId id="261" r:id="rId7"/>
-    <p:sldId id="262" r:id="rId8"/>
-    <p:sldId id="263" r:id="rId9"/>
-    <p:sldId id="264" r:id="rId10"/>
-    <p:sldId id="266" r:id="rId11"/>
+    <p:sldId id="267" r:id="rId5"/>
+    <p:sldId id="259" r:id="rId6"/>
+    <p:sldId id="260" r:id="rId7"/>
+    <p:sldId id="261" r:id="rId8"/>
+    <p:sldId id="262" r:id="rId9"/>
+    <p:sldId id="263" r:id="rId10"/>
+    <p:sldId id="264" r:id="rId11"/>
+    <p:sldId id="266" r:id="rId12"/>
   </p:sldIdLst>
   <p:sldSz cx="12192000" cy="6858000"/>
   <p:notesSz cx="7559675" cy="10691813"/>
@@ -307,7 +308,7 @@
           <a:p>
             <a:fld id="{4AAD347D-5ACD-4C99-B74B-A9C85AD731AF}" type="datetimeFigureOut">
               <a:rPr lang="en-US" dirty="0"/>
-              <a:t>10/25/2022</a:t>
+              <a:t>11/1/2022</a:t>
             </a:fld>
             <a:endParaRPr lang="en-US" dirty="0"/>
           </a:p>
@@ -582,7 +583,7 @@
           <a:p>
             <a:fld id="{4509A250-FF31-4206-8172-F9D3106AACB1}" type="datetimeFigureOut">
               <a:rPr lang="en-US" dirty="0"/>
-              <a:t>10/25/2022</a:t>
+              <a:t>11/1/2022</a:t>
             </a:fld>
             <a:endParaRPr lang="en-US" dirty="0"/>
           </a:p>
@@ -776,7 +777,7 @@
           <a:p>
             <a:fld id="{4509A250-FF31-4206-8172-F9D3106AACB1}" type="datetimeFigureOut">
               <a:rPr lang="en-US" dirty="0"/>
-              <a:t>10/25/2022</a:t>
+              <a:t>11/1/2022</a:t>
             </a:fld>
             <a:endParaRPr lang="en-US" dirty="0"/>
           </a:p>
@@ -1049,7 +1050,7 @@
           <a:p>
             <a:fld id="{4509A250-FF31-4206-8172-F9D3106AACB1}" type="datetimeFigureOut">
               <a:rPr lang="en-US" dirty="0"/>
-              <a:t>10/25/2022</a:t>
+              <a:t>11/1/2022</a:t>
             </a:fld>
             <a:endParaRPr lang="en-US" dirty="0"/>
           </a:p>
@@ -1390,7 +1391,7 @@
           <a:p>
             <a:fld id="{4509A250-FF31-4206-8172-F9D3106AACB1}" type="datetimeFigureOut">
               <a:rPr lang="en-US" dirty="0"/>
-              <a:t>10/25/2022</a:t>
+              <a:t>11/1/2022</a:t>
             </a:fld>
             <a:endParaRPr lang="en-US" dirty="0"/>
           </a:p>
@@ -2013,7 +2014,7 @@
           <a:p>
             <a:fld id="{4509A250-FF31-4206-8172-F9D3106AACB1}" type="datetimeFigureOut">
               <a:rPr lang="en-US" dirty="0"/>
-              <a:t>10/25/2022</a:t>
+              <a:t>11/1/2022</a:t>
             </a:fld>
             <a:endParaRPr lang="en-US" dirty="0"/>
           </a:p>
@@ -2873,7 +2874,7 @@
           <a:p>
             <a:fld id="{4509A250-FF31-4206-8172-F9D3106AACB1}" type="datetimeFigureOut">
               <a:rPr lang="en-US" dirty="0"/>
-              <a:t>10/25/2022</a:t>
+              <a:t>11/1/2022</a:t>
             </a:fld>
             <a:endParaRPr lang="en-US" dirty="0"/>
           </a:p>
@@ -3043,7 +3044,7 @@
           <a:p>
             <a:fld id="{4509A250-FF31-4206-8172-F9D3106AACB1}" type="datetimeFigureOut">
               <a:rPr lang="en-US" dirty="0"/>
-              <a:t>10/25/2022</a:t>
+              <a:t>11/1/2022</a:t>
             </a:fld>
             <a:endParaRPr lang="en-US" dirty="0"/>
           </a:p>
@@ -3223,7 +3224,7 @@
           <a:p>
             <a:fld id="{4509A250-FF31-4206-8172-F9D3106AACB1}" type="datetimeFigureOut">
               <a:rPr lang="en-US" dirty="0"/>
-              <a:t>10/25/2022</a:t>
+              <a:t>11/1/2022</a:t>
             </a:fld>
             <a:endParaRPr lang="en-US" dirty="0"/>
           </a:p>
@@ -3486,7 +3487,7 @@
           <a:p>
             <a:fld id="{4509A250-FF31-4206-8172-F9D3106AACB1}" type="datetimeFigureOut">
               <a:rPr lang="en-US" dirty="0"/>
-              <a:t>10/25/2022</a:t>
+              <a:t>11/1/2022</a:t>
             </a:fld>
             <a:endParaRPr lang="en-US" dirty="0"/>
           </a:p>
@@ -3733,7 +3734,7 @@
           <a:p>
             <a:fld id="{9796027F-7875-4030-9381-8BD8C4F21935}" type="datetimeFigureOut">
               <a:rPr lang="en-US" dirty="0"/>
-              <a:t>10/25/2022</a:t>
+              <a:t>11/1/2022</a:t>
             </a:fld>
             <a:endParaRPr lang="en-US" dirty="0"/>
           </a:p>
@@ -4025,7 +4026,7 @@
           <a:p>
             <a:fld id="{9796027F-7875-4030-9381-8BD8C4F21935}" type="datetimeFigureOut">
               <a:rPr lang="en-US" dirty="0"/>
-              <a:t>10/25/2022</a:t>
+              <a:t>11/1/2022</a:t>
             </a:fld>
             <a:endParaRPr lang="en-US" dirty="0"/>
           </a:p>
@@ -4469,7 +4470,7 @@
           <a:p>
             <a:fld id="{9796027F-7875-4030-9381-8BD8C4F21935}" type="datetimeFigureOut">
               <a:rPr lang="en-US" dirty="0"/>
-              <a:t>10/25/2022</a:t>
+              <a:t>11/1/2022</a:t>
             </a:fld>
             <a:endParaRPr lang="en-US" dirty="0"/>
           </a:p>
@@ -4587,7 +4588,7 @@
           <a:p>
             <a:fld id="{4509A250-FF31-4206-8172-F9D3106AACB1}" type="datetimeFigureOut">
               <a:rPr lang="en-US" dirty="0"/>
-              <a:t>10/25/2022</a:t>
+              <a:t>11/1/2022</a:t>
             </a:fld>
             <a:endParaRPr lang="en-US" dirty="0"/>
           </a:p>
@@ -4682,7 +4683,7 @@
           <a:p>
             <a:fld id="{4509A250-FF31-4206-8172-F9D3106AACB1}" type="datetimeFigureOut">
               <a:rPr lang="en-US" dirty="0"/>
-              <a:t>10/25/2022</a:t>
+              <a:t>11/1/2022</a:t>
             </a:fld>
             <a:endParaRPr lang="en-US" dirty="0"/>
           </a:p>
@@ -4961,7 +4962,7 @@
           <a:p>
             <a:fld id="{4509A250-FF31-4206-8172-F9D3106AACB1}" type="datetimeFigureOut">
               <a:rPr lang="en-US" dirty="0"/>
-              <a:t>10/25/2022</a:t>
+              <a:t>11/1/2022</a:t>
             </a:fld>
             <a:endParaRPr lang="en-US" dirty="0"/>
           </a:p>
@@ -5236,7 +5237,7 @@
           <a:p>
             <a:fld id="{4509A250-FF31-4206-8172-F9D3106AACB1}" type="datetimeFigureOut">
               <a:rPr lang="en-US" dirty="0"/>
-              <a:t>10/25/2022</a:t>
+              <a:t>11/1/2022</a:t>
             </a:fld>
             <a:endParaRPr lang="en-US" dirty="0"/>
           </a:p>
@@ -5665,7 +5666,7 @@
           <a:p>
             <a:fld id="{4AAD347D-5ACD-4C99-B74B-A9C85AD731AF}" type="datetimeFigureOut">
               <a:rPr lang="en-US" dirty="0"/>
-              <a:t>10/25/2022</a:t>
+              <a:t>11/1/2022</a:t>
             </a:fld>
             <a:endParaRPr lang="en-US" dirty="0"/>
           </a:p>
@@ -6380,6 +6381,244 @@
       </p:grpSpPr>
       <p:sp>
         <p:nvSpPr>
+          <p:cNvPr id="105" name="CustomShape 1"/>
+          <p:cNvSpPr/>
+          <p:nvPr/>
+        </p:nvSpPr>
+        <p:spPr>
+          <a:xfrm>
+            <a:off x="636575" y="453600"/>
+            <a:ext cx="9403920" cy="1399680"/>
+          </a:xfrm>
+          <a:prstGeom prst="rect">
+            <a:avLst/>
+          </a:prstGeom>
+          <a:noFill/>
+          <a:ln>
+            <a:noFill/>
+          </a:ln>
+        </p:spPr>
+        <p:style>
+          <a:lnRef idx="0">
+            <a:scrgbClr r="0" g="0" b="0"/>
+          </a:lnRef>
+          <a:fillRef idx="0">
+            <a:scrgbClr r="0" g="0" b="0"/>
+          </a:fillRef>
+          <a:effectRef idx="0">
+            <a:scrgbClr r="0" g="0" b="0"/>
+          </a:effectRef>
+          <a:fontRef idx="minor"/>
+        </p:style>
+        <p:txBody>
+          <a:bodyPr lIns="90000" tIns="45000" rIns="90000" bIns="45000">
+            <a:noAutofit/>
+          </a:bodyPr>
+          <a:lstStyle/>
+          <a:p>
+            <a:pPr>
+              <a:lnSpc>
+                <a:spcPct val="100000"/>
+              </a:lnSpc>
+            </a:pPr>
+            <a:r>
+              <a:rPr lang="it-IT" sz="4200" b="0" strike="noStrike" spc="-1">
+                <a:solidFill>
+                  <a:srgbClr val="EBEBEB"/>
+                </a:solidFill>
+                <a:latin typeface="Century Gothic"/>
+              </a:rPr>
+              <a:t>Letsencrypt certificates</a:t>
+            </a:r>
+            <a:endParaRPr lang="en-US" sz="4200" b="0" strike="noStrike" spc="-1">
+              <a:latin typeface="Arial"/>
+            </a:endParaRPr>
+          </a:p>
+        </p:txBody>
+      </p:sp>
+      <p:sp>
+        <p:nvSpPr>
+          <p:cNvPr id="106" name="CustomShape 2"/>
+          <p:cNvSpPr/>
+          <p:nvPr/>
+        </p:nvSpPr>
+        <p:spPr>
+          <a:xfrm>
+            <a:off x="1023480" y="2209680"/>
+            <a:ext cx="8946000" cy="4194720"/>
+          </a:xfrm>
+          <a:prstGeom prst="rect">
+            <a:avLst/>
+          </a:prstGeom>
+          <a:noFill/>
+          <a:ln>
+            <a:noFill/>
+          </a:ln>
+        </p:spPr>
+        <p:style>
+          <a:lnRef idx="0">
+            <a:scrgbClr r="0" g="0" b="0"/>
+          </a:lnRef>
+          <a:fillRef idx="0">
+            <a:scrgbClr r="0" g="0" b="0"/>
+          </a:fillRef>
+          <a:effectRef idx="0">
+            <a:scrgbClr r="0" g="0" b="0"/>
+          </a:effectRef>
+          <a:fontRef idx="minor"/>
+        </p:style>
+        <p:txBody>
+          <a:bodyPr lIns="90000" tIns="45000" rIns="90000" bIns="45000">
+            <a:noAutofit/>
+          </a:bodyPr>
+          <a:lstStyle/>
+          <a:p>
+            <a:pPr marL="343080" indent="-342360">
+              <a:lnSpc>
+                <a:spcPct val="100000"/>
+              </a:lnSpc>
+              <a:spcBef>
+                <a:spcPts val="1001"/>
+              </a:spcBef>
+              <a:buClr>
+                <a:srgbClr val="8AD0D6"/>
+              </a:buClr>
+              <a:buSzPct val="80000"/>
+              <a:buFont typeface="Wingdings 3" charset="2"/>
+              <a:buChar char=""/>
+            </a:pPr>
+            <a:r>
+              <a:rPr lang="it-IT" sz="2000" b="0" strike="noStrike" spc="-1" dirty="0" err="1">
+                <a:solidFill>
+                  <a:srgbClr val="FFFFFF"/>
+                </a:solidFill>
+                <a:latin typeface="Century Gothic"/>
+              </a:rPr>
+              <a:t>Letsencrypt</a:t>
+            </a:r>
+            <a:r>
+              <a:rPr lang="it-IT" sz="2000" b="0" strike="noStrike" spc="-1" dirty="0">
+                <a:solidFill>
+                  <a:srgbClr val="FFFFFF"/>
+                </a:solidFill>
+                <a:latin typeface="Century Gothic"/>
+              </a:rPr>
+              <a:t> </a:t>
+            </a:r>
+            <a:r>
+              <a:rPr lang="it-IT" sz="2000" b="0" strike="noStrike" spc="-1" dirty="0" err="1">
+                <a:solidFill>
+                  <a:srgbClr val="FFFFFF"/>
+                </a:solidFill>
+                <a:latin typeface="Century Gothic"/>
+              </a:rPr>
+              <a:t>it’s</a:t>
+            </a:r>
+            <a:r>
+              <a:rPr lang="it-IT" sz="2000" b="0" strike="noStrike" spc="-1" dirty="0">
+                <a:solidFill>
+                  <a:srgbClr val="FFFFFF"/>
+                </a:solidFill>
+                <a:latin typeface="Century Gothic"/>
+              </a:rPr>
+              <a:t> a free Certificate Authority</a:t>
+            </a:r>
+            <a:endParaRPr lang="en-US" sz="2000" b="0" strike="noStrike" spc="-1" dirty="0">
+              <a:latin typeface="Arial"/>
+            </a:endParaRPr>
+          </a:p>
+          <a:p>
+            <a:pPr>
+              <a:lnSpc>
+                <a:spcPct val="100000"/>
+              </a:lnSpc>
+              <a:spcBef>
+                <a:spcPts val="1001"/>
+              </a:spcBef>
+            </a:pPr>
+            <a:endParaRPr lang="en-US" sz="2000" b="0" strike="noStrike" spc="-1" dirty="0">
+              <a:latin typeface="Arial"/>
+            </a:endParaRPr>
+          </a:p>
+          <a:p>
+            <a:pPr marL="343080" indent="-342360">
+              <a:lnSpc>
+                <a:spcPct val="100000"/>
+              </a:lnSpc>
+              <a:spcBef>
+                <a:spcPts val="1001"/>
+              </a:spcBef>
+              <a:buClr>
+                <a:srgbClr val="8AD0D6"/>
+              </a:buClr>
+              <a:buSzPct val="80000"/>
+              <a:buFont typeface="Wingdings 3" charset="2"/>
+              <a:buChar char=""/>
+            </a:pPr>
+            <a:r>
+              <a:rPr lang="en-GB" sz="2000" b="0" strike="noStrike" spc="-1" dirty="0">
+                <a:solidFill>
+                  <a:srgbClr val="FFFFFF"/>
+                </a:solidFill>
+                <a:latin typeface="Century Gothic"/>
+              </a:rPr>
+              <a:t>Try to obtain a valid certificate using </a:t>
+            </a:r>
+            <a:r>
+              <a:rPr lang="en-GB" sz="2000" b="0" strike="noStrike" spc="-1" dirty="0" err="1">
+                <a:solidFill>
+                  <a:srgbClr val="FFFFFF"/>
+                </a:solidFill>
+                <a:latin typeface="Century Gothic"/>
+              </a:rPr>
+              <a:t>letsencrypt</a:t>
+            </a:r>
+            <a:endParaRPr lang="en-US" sz="2000" b="0" strike="noStrike" spc="-1" dirty="0">
+              <a:latin typeface="Arial"/>
+            </a:endParaRPr>
+          </a:p>
+          <a:p>
+            <a:pPr>
+              <a:lnSpc>
+                <a:spcPct val="100000"/>
+              </a:lnSpc>
+              <a:spcBef>
+                <a:spcPts val="1001"/>
+              </a:spcBef>
+            </a:pPr>
+            <a:endParaRPr lang="en-US" sz="2000" b="0" strike="noStrike" spc="-1" dirty="0">
+              <a:latin typeface="Arial"/>
+            </a:endParaRPr>
+          </a:p>
+        </p:txBody>
+      </p:sp>
+    </p:spTree>
+  </p:cSld>
+  <p:clrMapOvr>
+    <a:masterClrMapping/>
+  </p:clrMapOvr>
+</p:sld>
+</file>
+
+<file path=ppt/slides/slide11.xml><?xml version="1.0" encoding="utf-8"?>
+<p:sld xmlns:a="http://schemas.openxmlformats.org/drawingml/2006/main" xmlns:r="http://schemas.openxmlformats.org/officeDocument/2006/relationships" xmlns:p="http://schemas.openxmlformats.org/presentationml/2006/main">
+  <p:cSld>
+    <p:spTree>
+      <p:nvGrpSpPr>
+        <p:cNvPr id="1" name=""/>
+        <p:cNvGrpSpPr/>
+        <p:nvPr/>
+      </p:nvGrpSpPr>
+      <p:grpSpPr>
+        <a:xfrm>
+          <a:off x="0" y="0"/>
+          <a:ext cx="0" cy="0"/>
+          <a:chOff x="0" y="0"/>
+          <a:chExt cx="0" cy="0"/>
+        </a:xfrm>
+      </p:grpSpPr>
+      <p:sp>
+        <p:nvSpPr>
           <p:cNvPr id="108" name="CustomShape 1"/>
           <p:cNvSpPr/>
           <p:nvPr/>
@@ -7169,7 +7408,7 @@
       </p:grpSpPr>
       <p:sp>
         <p:nvSpPr>
-          <p:cNvPr id="95" name="CustomShape 1"/>
+          <p:cNvPr id="93" name="CustomShape 1"/>
           <p:cNvSpPr/>
           <p:nvPr/>
         </p:nvSpPr>
@@ -7210,6 +7449,338 @@
               </a:lnSpc>
             </a:pPr>
             <a:r>
+              <a:rPr lang="it-IT" sz="4200" b="0" strike="noStrike" spc="-1" dirty="0">
+                <a:solidFill>
+                  <a:srgbClr val="EBEBEB"/>
+                </a:solidFill>
+                <a:latin typeface="Century Gothic"/>
+              </a:rPr>
+              <a:t>How </a:t>
+            </a:r>
+            <a:r>
+              <a:rPr lang="it-IT" sz="4200" b="0" strike="noStrike" spc="-1" dirty="0" err="1">
+                <a:solidFill>
+                  <a:srgbClr val="EBEBEB"/>
+                </a:solidFill>
+                <a:latin typeface="Century Gothic"/>
+              </a:rPr>
+              <a:t>does</a:t>
+            </a:r>
+            <a:r>
+              <a:rPr lang="it-IT" sz="4200" b="0" strike="noStrike" spc="-1" dirty="0">
+                <a:solidFill>
+                  <a:srgbClr val="EBEBEB"/>
+                </a:solidFill>
+                <a:latin typeface="Century Gothic"/>
+              </a:rPr>
+              <a:t> </a:t>
+            </a:r>
+            <a:r>
+              <a:rPr lang="it-IT" sz="4200" b="0" strike="noStrike" spc="-1" dirty="0" err="1">
+                <a:solidFill>
+                  <a:srgbClr val="EBEBEB"/>
+                </a:solidFill>
+                <a:latin typeface="Century Gothic"/>
+              </a:rPr>
+              <a:t>it</a:t>
+            </a:r>
+            <a:r>
+              <a:rPr lang="it-IT" sz="4200" b="0" strike="noStrike" spc="-1" dirty="0">
+                <a:solidFill>
+                  <a:srgbClr val="EBEBEB"/>
+                </a:solidFill>
+                <a:latin typeface="Century Gothic"/>
+              </a:rPr>
+              <a:t> work?</a:t>
+            </a:r>
+            <a:endParaRPr lang="en-US" sz="4200" b="0" strike="noStrike" spc="-1" dirty="0">
+              <a:latin typeface="Arial"/>
+            </a:endParaRPr>
+          </a:p>
+        </p:txBody>
+      </p:sp>
+      <p:sp>
+        <p:nvSpPr>
+          <p:cNvPr id="94" name="CustomShape 2"/>
+          <p:cNvSpPr/>
+          <p:nvPr/>
+        </p:nvSpPr>
+        <p:spPr>
+          <a:xfrm>
+            <a:off x="646200" y="1535590"/>
+            <a:ext cx="11212123" cy="4598929"/>
+          </a:xfrm>
+          <a:prstGeom prst="rect">
+            <a:avLst/>
+          </a:prstGeom>
+          <a:noFill/>
+          <a:ln>
+            <a:noFill/>
+          </a:ln>
+        </p:spPr>
+        <p:style>
+          <a:lnRef idx="0">
+            <a:scrgbClr r="0" g="0" b="0"/>
+          </a:lnRef>
+          <a:fillRef idx="0">
+            <a:scrgbClr r="0" g="0" b="0"/>
+          </a:fillRef>
+          <a:effectRef idx="0">
+            <a:scrgbClr r="0" g="0" b="0"/>
+          </a:effectRef>
+          <a:fontRef idx="minor"/>
+        </p:style>
+        <p:txBody>
+          <a:bodyPr lIns="90000" tIns="45000" rIns="90000" bIns="45000">
+            <a:noAutofit/>
+          </a:bodyPr>
+          <a:lstStyle/>
+          <a:p>
+            <a:pPr marL="343080" indent="-342360">
+              <a:lnSpc>
+                <a:spcPct val="100000"/>
+              </a:lnSpc>
+              <a:spcBef>
+                <a:spcPts val="1001"/>
+              </a:spcBef>
+              <a:buClr>
+                <a:srgbClr val="8AD0D6"/>
+              </a:buClr>
+              <a:buSzPct val="80000"/>
+              <a:buFont typeface="Wingdings 3" charset="2"/>
+              <a:buChar char=""/>
+            </a:pPr>
+            <a:r>
+              <a:rPr lang="en-US" sz="2000" spc="-1" dirty="0">
+                <a:solidFill>
+                  <a:srgbClr val="FFFFFF"/>
+                </a:solidFill>
+              </a:rPr>
+              <a:t>The client contacts the server using a secure URL (HTTPS…)</a:t>
+            </a:r>
+          </a:p>
+          <a:p>
+            <a:pPr marL="343080" indent="-342360">
+              <a:lnSpc>
+                <a:spcPct val="100000"/>
+              </a:lnSpc>
+              <a:spcBef>
+                <a:spcPts val="1001"/>
+              </a:spcBef>
+              <a:buClr>
+                <a:srgbClr val="8AD0D6"/>
+              </a:buClr>
+              <a:buSzPct val="80000"/>
+              <a:buFont typeface="Wingdings 3" charset="2"/>
+              <a:buChar char=""/>
+            </a:pPr>
+            <a:r>
+              <a:rPr lang="en-US" sz="2000" spc="-1" dirty="0">
+                <a:solidFill>
+                  <a:srgbClr val="FFFFFF"/>
+                </a:solidFill>
+              </a:rPr>
+              <a:t>The server sends the client its certificate and public key</a:t>
+            </a:r>
+          </a:p>
+          <a:p>
+            <a:pPr marL="343080" indent="-342360">
+              <a:lnSpc>
+                <a:spcPct val="100000"/>
+              </a:lnSpc>
+              <a:spcBef>
+                <a:spcPts val="1001"/>
+              </a:spcBef>
+              <a:buClr>
+                <a:srgbClr val="8AD0D6"/>
+              </a:buClr>
+              <a:buSzPct val="80000"/>
+              <a:buFont typeface="Wingdings 3" charset="2"/>
+              <a:buChar char=""/>
+            </a:pPr>
+            <a:r>
+              <a:rPr lang="en-US" sz="2000" spc="-1" dirty="0">
+                <a:solidFill>
+                  <a:srgbClr val="FFFFFF"/>
+                </a:solidFill>
+              </a:rPr>
+              <a:t>The client verifies this with a Trusted Root Certification Authority to ensure the certificate is legitimate</a:t>
+            </a:r>
+          </a:p>
+          <a:p>
+            <a:pPr marL="343080" indent="-342360">
+              <a:lnSpc>
+                <a:spcPct val="100000"/>
+              </a:lnSpc>
+              <a:spcBef>
+                <a:spcPts val="1001"/>
+              </a:spcBef>
+              <a:buClr>
+                <a:srgbClr val="8AD0D6"/>
+              </a:buClr>
+              <a:buSzPct val="80000"/>
+              <a:buFont typeface="Wingdings 3" charset="2"/>
+              <a:buChar char=""/>
+            </a:pPr>
+            <a:r>
+              <a:rPr lang="en-US" sz="2000" spc="-1" dirty="0">
+                <a:solidFill>
+                  <a:srgbClr val="FFFFFF"/>
+                </a:solidFill>
+              </a:rPr>
+              <a:t>The client and server negotiate the strongest type of encryption that each can support</a:t>
+            </a:r>
+          </a:p>
+          <a:p>
+            <a:pPr marL="343080" indent="-342360">
+              <a:lnSpc>
+                <a:spcPct val="100000"/>
+              </a:lnSpc>
+              <a:spcBef>
+                <a:spcPts val="1001"/>
+              </a:spcBef>
+              <a:buClr>
+                <a:srgbClr val="8AD0D6"/>
+              </a:buClr>
+              <a:buSzPct val="80000"/>
+              <a:buFont typeface="Wingdings 3" charset="2"/>
+              <a:buChar char=""/>
+            </a:pPr>
+            <a:r>
+              <a:rPr lang="en-US" sz="2000" spc="-1" dirty="0">
+                <a:solidFill>
+                  <a:srgbClr val="FFFFFF"/>
+                </a:solidFill>
+              </a:rPr>
+              <a:t>The client encrypts a session (secret) key with the server’s public key, and sends it back to the server</a:t>
+            </a:r>
+          </a:p>
+          <a:p>
+            <a:pPr marL="343080" indent="-342360">
+              <a:lnSpc>
+                <a:spcPct val="100000"/>
+              </a:lnSpc>
+              <a:spcBef>
+                <a:spcPts val="1001"/>
+              </a:spcBef>
+              <a:buClr>
+                <a:srgbClr val="8AD0D6"/>
+              </a:buClr>
+              <a:buSzPct val="80000"/>
+              <a:buFont typeface="Wingdings 3" charset="2"/>
+              <a:buChar char=""/>
+            </a:pPr>
+            <a:r>
+              <a:rPr lang="en-US" sz="2000" spc="-1" dirty="0">
+                <a:solidFill>
+                  <a:srgbClr val="FFFFFF"/>
+                </a:solidFill>
+              </a:rPr>
+              <a:t>The server decrypts the client communication with its private key, and the session is established</a:t>
+            </a:r>
+          </a:p>
+          <a:p>
+            <a:pPr marL="343080" indent="-342360">
+              <a:lnSpc>
+                <a:spcPct val="100000"/>
+              </a:lnSpc>
+              <a:spcBef>
+                <a:spcPts val="1001"/>
+              </a:spcBef>
+              <a:buClr>
+                <a:srgbClr val="8AD0D6"/>
+              </a:buClr>
+              <a:buSzPct val="80000"/>
+              <a:buFont typeface="Wingdings 3" charset="2"/>
+              <a:buChar char=""/>
+            </a:pPr>
+            <a:r>
+              <a:rPr lang="en-US" sz="2000" spc="-1" dirty="0">
+                <a:solidFill>
+                  <a:srgbClr val="FFFFFF"/>
+                </a:solidFill>
+              </a:rPr>
+              <a:t>The session key (symmetric encryption) is now used to encrypt and decrypt data transmitted between the client and server</a:t>
+            </a:r>
+            <a:endParaRPr lang="en-US" sz="2000" b="0" strike="noStrike" spc="-1" dirty="0">
+              <a:latin typeface="Arial"/>
+            </a:endParaRPr>
+          </a:p>
+        </p:txBody>
+      </p:sp>
+    </p:spTree>
+    <p:extLst>
+      <p:ext uri="{BB962C8B-B14F-4D97-AF65-F5344CB8AC3E}">
+        <p14:creationId xmlns:p14="http://schemas.microsoft.com/office/powerpoint/2010/main" val="2538767742"/>
+      </p:ext>
+    </p:extLst>
+  </p:cSld>
+  <p:clrMapOvr>
+    <a:masterClrMapping/>
+  </p:clrMapOvr>
+</p:sld>
+</file>
+
+<file path=ppt/slides/slide5.xml><?xml version="1.0" encoding="utf-8"?>
+<p:sld xmlns:a="http://schemas.openxmlformats.org/drawingml/2006/main" xmlns:r="http://schemas.openxmlformats.org/officeDocument/2006/relationships" xmlns:p="http://schemas.openxmlformats.org/presentationml/2006/main">
+  <p:cSld>
+    <p:spTree>
+      <p:nvGrpSpPr>
+        <p:cNvPr id="1" name=""/>
+        <p:cNvGrpSpPr/>
+        <p:nvPr/>
+      </p:nvGrpSpPr>
+      <p:grpSpPr>
+        <a:xfrm>
+          <a:off x="0" y="0"/>
+          <a:ext cx="0" cy="0"/>
+          <a:chOff x="0" y="0"/>
+          <a:chExt cx="0" cy="0"/>
+        </a:xfrm>
+      </p:grpSpPr>
+      <p:sp>
+        <p:nvSpPr>
+          <p:cNvPr id="95" name="CustomShape 1"/>
+          <p:cNvSpPr/>
+          <p:nvPr/>
+        </p:nvSpPr>
+        <p:spPr>
+          <a:xfrm>
+            <a:off x="646200" y="452880"/>
+            <a:ext cx="9403920" cy="1399680"/>
+          </a:xfrm>
+          <a:prstGeom prst="rect">
+            <a:avLst/>
+          </a:prstGeom>
+          <a:noFill/>
+          <a:ln>
+            <a:noFill/>
+          </a:ln>
+        </p:spPr>
+        <p:style>
+          <a:lnRef idx="0">
+            <a:scrgbClr r="0" g="0" b="0"/>
+          </a:lnRef>
+          <a:fillRef idx="0">
+            <a:scrgbClr r="0" g="0" b="0"/>
+          </a:fillRef>
+          <a:effectRef idx="0">
+            <a:scrgbClr r="0" g="0" b="0"/>
+          </a:effectRef>
+          <a:fontRef idx="minor"/>
+        </p:style>
+        <p:txBody>
+          <a:bodyPr lIns="90000" tIns="45000" rIns="90000" bIns="45000">
+            <a:noAutofit/>
+          </a:bodyPr>
+          <a:lstStyle/>
+          <a:p>
+            <a:pPr>
+              <a:lnSpc>
+                <a:spcPct val="100000"/>
+              </a:lnSpc>
+            </a:pPr>
+            <a:r>
               <a:rPr lang="it-IT" sz="4200" b="0" strike="noStrike" spc="-1">
                 <a:solidFill>
                   <a:srgbClr val="EBEBEB"/>
@@ -7284,7 +7855,7 @@
                 </a:solidFill>
                 <a:latin typeface="Century Gothic"/>
               </a:rPr>
-              <a:t>Is an electronic document used to verify the owner’s identity</a:t>
+              <a:t>It is an electronic document used to verify the owner’s identity</a:t>
             </a:r>
             <a:endParaRPr lang="en-US" sz="2000" b="0" strike="noStrike" spc="-1" dirty="0">
               <a:latin typeface="Arial"/>
@@ -7423,7 +7994,7 @@
 </p:sld>
 </file>
 
-<file path=ppt/slides/slide5.xml><?xml version="1.0" encoding="utf-8"?>
+<file path=ppt/slides/slide6.xml><?xml version="1.0" encoding="utf-8"?>
 <p:sld xmlns:a="http://schemas.openxmlformats.org/drawingml/2006/main" xmlns:r="http://schemas.openxmlformats.org/officeDocument/2006/relationships" xmlns:p="http://schemas.openxmlformats.org/presentationml/2006/main">
   <p:cSld>
     <p:spTree>
@@ -7952,7 +8523,7 @@
                 </a:solidFill>
                 <a:latin typeface="Century Gothic"/>
               </a:rPr>
-              <a:t> In this case clients will generally be unable to verify the certificate thus, communication will end (unless the certificate checking is disabled)</a:t>
+              <a:t>In this case clients will generally be unable to verify the certificate thus, communication will end (unless the certificate checking is disabled)</a:t>
             </a:r>
             <a:endParaRPr lang="en-US" sz="2200" b="0" strike="noStrike" spc="-1" dirty="0">
               <a:latin typeface="Arial"/>
@@ -8016,7 +8587,7 @@
 </p:sld>
 </file>
 
-<file path=ppt/slides/slide6.xml><?xml version="1.0" encoding="utf-8"?>
+<file path=ppt/slides/slide7.xml><?xml version="1.0" encoding="utf-8"?>
 <p:sld xmlns:a="http://schemas.openxmlformats.org/drawingml/2006/main" xmlns:r="http://schemas.openxmlformats.org/officeDocument/2006/relationships" xmlns:p="http://schemas.openxmlformats.org/presentationml/2006/main">
   <p:cSld>
     <p:spTree>
@@ -8350,24 +8921,6 @@
                 </a:solidFill>
                 <a:latin typeface="Century Gothic"/>
               </a:rPr>
-              <a:t> </a:t>
-            </a:r>
-            <a:r>
-              <a:rPr lang="it-IT" sz="2000" b="0" strike="noStrike" spc="-1" dirty="0" err="1">
-                <a:solidFill>
-                  <a:srgbClr val="FFFFFF"/>
-                </a:solidFill>
-                <a:latin typeface="Century Gothic"/>
-              </a:rPr>
-              <a:t>only</a:t>
-            </a:r>
-            <a:r>
-              <a:rPr lang="it-IT" sz="2000" b="0" strike="noStrike" spc="-1" dirty="0">
-                <a:solidFill>
-                  <a:srgbClr val="FFFFFF"/>
-                </a:solidFill>
-                <a:latin typeface="Century Gothic"/>
-              </a:rPr>
               <a:t> for testing </a:t>
             </a:r>
             <a:r>
@@ -8424,7 +8977,25 @@
                 </a:solidFill>
                 <a:latin typeface="Century Gothic"/>
               </a:rPr>
-              <a:t>They are seen as not valid because other hosts consider our CA as  “NOT TRUSTED”</a:t>
+              <a:t>They are not valid because </a:t>
+            </a:r>
+            <a:r>
+              <a:rPr lang="en-GB" sz="2000" spc="-1" dirty="0">
+                <a:solidFill>
+                  <a:srgbClr val="FFFFFF"/>
+                </a:solidFill>
+                <a:latin typeface="Century Gothic"/>
+              </a:rPr>
+              <a:t>since self-signed certificates are</a:t>
+            </a:r>
+            <a:r>
+              <a:rPr lang="en-GB" sz="2000" b="0" strike="noStrike" spc="-1" dirty="0">
+                <a:solidFill>
+                  <a:srgbClr val="FFFFFF"/>
+                </a:solidFill>
+                <a:latin typeface="Century Gothic"/>
+              </a:rPr>
+              <a:t> “NOT TRUSTED” by a Certificate Authority</a:t>
             </a:r>
             <a:endParaRPr lang="en-US" sz="2000" b="0" strike="noStrike" spc="-1" dirty="0">
               <a:latin typeface="Arial"/>
@@ -8440,7 +9011,7 @@
 </p:sld>
 </file>
 
-<file path=ppt/slides/slide7.xml><?xml version="1.0" encoding="utf-8"?>
+<file path=ppt/slides/slide8.xml><?xml version="1.0" encoding="utf-8"?>
 <p:sld xmlns:a="http://schemas.openxmlformats.org/drawingml/2006/main" xmlns:r="http://schemas.openxmlformats.org/officeDocument/2006/relationships" xmlns:p="http://schemas.openxmlformats.org/presentationml/2006/main">
   <p:cSld>
     <p:spTree>
@@ -9179,7 +9750,7 @@
 </p:sld>
 </file>
 
-<file path=ppt/slides/slide8.xml><?xml version="1.0" encoding="utf-8"?>
+<file path=ppt/slides/slide9.xml><?xml version="1.0" encoding="utf-8"?>
 <p:sld xmlns:a="http://schemas.openxmlformats.org/drawingml/2006/main" xmlns:r="http://schemas.openxmlformats.org/officeDocument/2006/relationships" xmlns:p="http://schemas.openxmlformats.org/presentationml/2006/main">
   <p:cSld>
     <p:spTree>
@@ -9239,15 +9810,15 @@
               </a:lnSpc>
             </a:pPr>
             <a:r>
-              <a:rPr lang="it-IT" sz="4200" b="0" strike="noStrike" spc="-1">
+              <a:rPr lang="it-IT" sz="4200" b="0" strike="noStrike" spc="-1" dirty="0">
                 <a:solidFill>
                   <a:srgbClr val="EBEBEB"/>
                 </a:solidFill>
                 <a:latin typeface="Century Gothic"/>
               </a:rPr>
-              <a:t>Build a Web Server with certificate</a:t>
-            </a:r>
-            <a:endParaRPr lang="en-US" sz="4200" b="0" strike="noStrike" spc="-1">
+              <a:t>Start a Web Server with certificate</a:t>
+            </a:r>
+            <a:endParaRPr lang="en-US" sz="4200" b="0" strike="noStrike" spc="-1" dirty="0">
               <a:latin typeface="Arial"/>
             </a:endParaRPr>
           </a:p>
@@ -9351,7 +9922,7 @@
                 </a:solidFill>
                 <a:latin typeface="Century Gothic"/>
               </a:rPr>
-              <a:t> build </a:t>
+              <a:t> start </a:t>
             </a:r>
             <a:r>
               <a:rPr lang="it-IT" sz="2000" b="0" strike="noStrike" spc="-1" dirty="0" err="1">
@@ -9560,244 +10131,6 @@
                 <a:srgbClr val="FFFFFF"/>
               </a:solidFill>
               <a:latin typeface="Century Gothic"/>
-            </a:endParaRPr>
-          </a:p>
-        </p:txBody>
-      </p:sp>
-    </p:spTree>
-  </p:cSld>
-  <p:clrMapOvr>
-    <a:masterClrMapping/>
-  </p:clrMapOvr>
-</p:sld>
-</file>
-
-<file path=ppt/slides/slide9.xml><?xml version="1.0" encoding="utf-8"?>
-<p:sld xmlns:a="http://schemas.openxmlformats.org/drawingml/2006/main" xmlns:r="http://schemas.openxmlformats.org/officeDocument/2006/relationships" xmlns:p="http://schemas.openxmlformats.org/presentationml/2006/main">
-  <p:cSld>
-    <p:spTree>
-      <p:nvGrpSpPr>
-        <p:cNvPr id="1" name=""/>
-        <p:cNvGrpSpPr/>
-        <p:nvPr/>
-      </p:nvGrpSpPr>
-      <p:grpSpPr>
-        <a:xfrm>
-          <a:off x="0" y="0"/>
-          <a:ext cx="0" cy="0"/>
-          <a:chOff x="0" y="0"/>
-          <a:chExt cx="0" cy="0"/>
-        </a:xfrm>
-      </p:grpSpPr>
-      <p:sp>
-        <p:nvSpPr>
-          <p:cNvPr id="105" name="CustomShape 1"/>
-          <p:cNvSpPr/>
-          <p:nvPr/>
-        </p:nvSpPr>
-        <p:spPr>
-          <a:xfrm>
-            <a:off x="636575" y="453600"/>
-            <a:ext cx="9403920" cy="1399680"/>
-          </a:xfrm>
-          <a:prstGeom prst="rect">
-            <a:avLst/>
-          </a:prstGeom>
-          <a:noFill/>
-          <a:ln>
-            <a:noFill/>
-          </a:ln>
-        </p:spPr>
-        <p:style>
-          <a:lnRef idx="0">
-            <a:scrgbClr r="0" g="0" b="0"/>
-          </a:lnRef>
-          <a:fillRef idx="0">
-            <a:scrgbClr r="0" g="0" b="0"/>
-          </a:fillRef>
-          <a:effectRef idx="0">
-            <a:scrgbClr r="0" g="0" b="0"/>
-          </a:effectRef>
-          <a:fontRef idx="minor"/>
-        </p:style>
-        <p:txBody>
-          <a:bodyPr lIns="90000" tIns="45000" rIns="90000" bIns="45000">
-            <a:noAutofit/>
-          </a:bodyPr>
-          <a:lstStyle/>
-          <a:p>
-            <a:pPr>
-              <a:lnSpc>
-                <a:spcPct val="100000"/>
-              </a:lnSpc>
-            </a:pPr>
-            <a:r>
-              <a:rPr lang="it-IT" sz="4200" b="0" strike="noStrike" spc="-1">
-                <a:solidFill>
-                  <a:srgbClr val="EBEBEB"/>
-                </a:solidFill>
-                <a:latin typeface="Century Gothic"/>
-              </a:rPr>
-              <a:t>Letsencrypt certificates</a:t>
-            </a:r>
-            <a:endParaRPr lang="en-US" sz="4200" b="0" strike="noStrike" spc="-1">
-              <a:latin typeface="Arial"/>
-            </a:endParaRPr>
-          </a:p>
-        </p:txBody>
-      </p:sp>
-      <p:sp>
-        <p:nvSpPr>
-          <p:cNvPr id="106" name="CustomShape 2"/>
-          <p:cNvSpPr/>
-          <p:nvPr/>
-        </p:nvSpPr>
-        <p:spPr>
-          <a:xfrm>
-            <a:off x="1023480" y="2209680"/>
-            <a:ext cx="8946000" cy="4194720"/>
-          </a:xfrm>
-          <a:prstGeom prst="rect">
-            <a:avLst/>
-          </a:prstGeom>
-          <a:noFill/>
-          <a:ln>
-            <a:noFill/>
-          </a:ln>
-        </p:spPr>
-        <p:style>
-          <a:lnRef idx="0">
-            <a:scrgbClr r="0" g="0" b="0"/>
-          </a:lnRef>
-          <a:fillRef idx="0">
-            <a:scrgbClr r="0" g="0" b="0"/>
-          </a:fillRef>
-          <a:effectRef idx="0">
-            <a:scrgbClr r="0" g="0" b="0"/>
-          </a:effectRef>
-          <a:fontRef idx="minor"/>
-        </p:style>
-        <p:txBody>
-          <a:bodyPr lIns="90000" tIns="45000" rIns="90000" bIns="45000">
-            <a:noAutofit/>
-          </a:bodyPr>
-          <a:lstStyle/>
-          <a:p>
-            <a:pPr marL="343080" indent="-342360">
-              <a:lnSpc>
-                <a:spcPct val="100000"/>
-              </a:lnSpc>
-              <a:spcBef>
-                <a:spcPts val="1001"/>
-              </a:spcBef>
-              <a:buClr>
-                <a:srgbClr val="8AD0D6"/>
-              </a:buClr>
-              <a:buSzPct val="80000"/>
-              <a:buFont typeface="Wingdings 3" charset="2"/>
-              <a:buChar char=""/>
-            </a:pPr>
-            <a:r>
-              <a:rPr lang="it-IT" sz="2000" b="0" strike="noStrike" spc="-1" dirty="0" err="1">
-                <a:solidFill>
-                  <a:srgbClr val="FFFFFF"/>
-                </a:solidFill>
-                <a:latin typeface="Century Gothic"/>
-              </a:rPr>
-              <a:t>Letsencrypt</a:t>
-            </a:r>
-            <a:r>
-              <a:rPr lang="it-IT" sz="2000" b="0" strike="noStrike" spc="-1" dirty="0">
-                <a:solidFill>
-                  <a:srgbClr val="FFFFFF"/>
-                </a:solidFill>
-                <a:latin typeface="Century Gothic"/>
-              </a:rPr>
-              <a:t> </a:t>
-            </a:r>
-            <a:r>
-              <a:rPr lang="it-IT" sz="2000" b="0" strike="noStrike" spc="-1" dirty="0" err="1">
-                <a:solidFill>
-                  <a:srgbClr val="FFFFFF"/>
-                </a:solidFill>
-                <a:latin typeface="Century Gothic"/>
-              </a:rPr>
-              <a:t>it’s</a:t>
-            </a:r>
-            <a:r>
-              <a:rPr lang="it-IT" sz="2000" b="0" strike="noStrike" spc="-1" dirty="0">
-                <a:solidFill>
-                  <a:srgbClr val="FFFFFF"/>
-                </a:solidFill>
-                <a:latin typeface="Century Gothic"/>
-              </a:rPr>
-              <a:t> a free Certificate Authority</a:t>
-            </a:r>
-            <a:endParaRPr lang="en-US" sz="2000" b="0" strike="noStrike" spc="-1" dirty="0">
-              <a:latin typeface="Arial"/>
-            </a:endParaRPr>
-          </a:p>
-          <a:p>
-            <a:pPr>
-              <a:lnSpc>
-                <a:spcPct val="100000"/>
-              </a:lnSpc>
-              <a:spcBef>
-                <a:spcPts val="1001"/>
-              </a:spcBef>
-            </a:pPr>
-            <a:endParaRPr lang="en-US" sz="2000" b="0" strike="noStrike" spc="-1" dirty="0">
-              <a:latin typeface="Arial"/>
-            </a:endParaRPr>
-          </a:p>
-          <a:p>
-            <a:pPr marL="343080" indent="-342360">
-              <a:lnSpc>
-                <a:spcPct val="100000"/>
-              </a:lnSpc>
-              <a:spcBef>
-                <a:spcPts val="1001"/>
-              </a:spcBef>
-              <a:buClr>
-                <a:srgbClr val="8AD0D6"/>
-              </a:buClr>
-              <a:buSzPct val="80000"/>
-              <a:buFont typeface="Wingdings 3" charset="2"/>
-              <a:buChar char=""/>
-            </a:pPr>
-            <a:r>
-              <a:rPr lang="en-GB" sz="2000" b="0" strike="noStrike" spc="-1" dirty="0">
-                <a:solidFill>
-                  <a:srgbClr val="FFFFFF"/>
-                </a:solidFill>
-                <a:latin typeface="Century Gothic"/>
-              </a:rPr>
-              <a:t>Try to obtain a valid certificate using </a:t>
-            </a:r>
-            <a:r>
-              <a:rPr lang="en-GB" sz="2000" b="0" strike="noStrike" spc="-1" dirty="0" err="1">
-                <a:solidFill>
-                  <a:srgbClr val="FFFFFF"/>
-                </a:solidFill>
-                <a:latin typeface="Century Gothic"/>
-              </a:rPr>
-              <a:t>letsencrypt</a:t>
-            </a:r>
-            <a:endParaRPr lang="en-US" sz="2000" b="0" strike="noStrike" spc="-1" dirty="0">
-              <a:latin typeface="Arial"/>
-            </a:endParaRPr>
-          </a:p>
-          <a:p>
-            <a:pPr>
-              <a:lnSpc>
-                <a:spcPct val="100000"/>
-              </a:lnSpc>
-              <a:spcBef>
-                <a:spcPts val="1001"/>
-              </a:spcBef>
-            </a:pPr>
-            <a:endParaRPr lang="en-US" sz="2000" b="0" strike="noStrike" spc="-1" dirty="0">
-              <a:latin typeface="Arial"/>
             </a:endParaRPr>
           </a:p>
         </p:txBody>

--- a/esercitazioni/Laboratory_22-23/Session_3/Lab_03_Slides.pptx
+++ b/esercitazioni/Laboratory_22-23/Session_3/Lab_03_Slides.pptx
@@ -308,7 +308,7 @@
           <a:p>
             <a:fld id="{4AAD347D-5ACD-4C99-B74B-A9C85AD731AF}" type="datetimeFigureOut">
               <a:rPr lang="en-US" dirty="0"/>
-              <a:t>11/1/2022</a:t>
+              <a:t>11/14/2022</a:t>
             </a:fld>
             <a:endParaRPr lang="en-US" dirty="0"/>
           </a:p>
@@ -583,7 +583,7 @@
           <a:p>
             <a:fld id="{4509A250-FF31-4206-8172-F9D3106AACB1}" type="datetimeFigureOut">
               <a:rPr lang="en-US" dirty="0"/>
-              <a:t>11/1/2022</a:t>
+              <a:t>11/14/2022</a:t>
             </a:fld>
             <a:endParaRPr lang="en-US" dirty="0"/>
           </a:p>
@@ -777,7 +777,7 @@
           <a:p>
             <a:fld id="{4509A250-FF31-4206-8172-F9D3106AACB1}" type="datetimeFigureOut">
               <a:rPr lang="en-US" dirty="0"/>
-              <a:t>11/1/2022</a:t>
+              <a:t>11/14/2022</a:t>
             </a:fld>
             <a:endParaRPr lang="en-US" dirty="0"/>
           </a:p>
@@ -1050,7 +1050,7 @@
           <a:p>
             <a:fld id="{4509A250-FF31-4206-8172-F9D3106AACB1}" type="datetimeFigureOut">
               <a:rPr lang="en-US" dirty="0"/>
-              <a:t>11/1/2022</a:t>
+              <a:t>11/14/2022</a:t>
             </a:fld>
             <a:endParaRPr lang="en-US" dirty="0"/>
           </a:p>
@@ -1391,7 +1391,7 @@
           <a:p>
             <a:fld id="{4509A250-FF31-4206-8172-F9D3106AACB1}" type="datetimeFigureOut">
               <a:rPr lang="en-US" dirty="0"/>
-              <a:t>11/1/2022</a:t>
+              <a:t>11/14/2022</a:t>
             </a:fld>
             <a:endParaRPr lang="en-US" dirty="0"/>
           </a:p>
@@ -2014,7 +2014,7 @@
           <a:p>
             <a:fld id="{4509A250-FF31-4206-8172-F9D3106AACB1}" type="datetimeFigureOut">
               <a:rPr lang="en-US" dirty="0"/>
-              <a:t>11/1/2022</a:t>
+              <a:t>11/14/2022</a:t>
             </a:fld>
             <a:endParaRPr lang="en-US" dirty="0"/>
           </a:p>
@@ -2874,7 +2874,7 @@
           <a:p>
             <a:fld id="{4509A250-FF31-4206-8172-F9D3106AACB1}" type="datetimeFigureOut">
               <a:rPr lang="en-US" dirty="0"/>
-              <a:t>11/1/2022</a:t>
+              <a:t>11/14/2022</a:t>
             </a:fld>
             <a:endParaRPr lang="en-US" dirty="0"/>
           </a:p>
@@ -3044,7 +3044,7 @@
           <a:p>
             <a:fld id="{4509A250-FF31-4206-8172-F9D3106AACB1}" type="datetimeFigureOut">
               <a:rPr lang="en-US" dirty="0"/>
-              <a:t>11/1/2022</a:t>
+              <a:t>11/14/2022</a:t>
             </a:fld>
             <a:endParaRPr lang="en-US" dirty="0"/>
           </a:p>
@@ -3224,7 +3224,7 @@
           <a:p>
             <a:fld id="{4509A250-FF31-4206-8172-F9D3106AACB1}" type="datetimeFigureOut">
               <a:rPr lang="en-US" dirty="0"/>
-              <a:t>11/1/2022</a:t>
+              <a:t>11/14/2022</a:t>
             </a:fld>
             <a:endParaRPr lang="en-US" dirty="0"/>
           </a:p>
@@ -3487,7 +3487,7 @@
           <a:p>
             <a:fld id="{4509A250-FF31-4206-8172-F9D3106AACB1}" type="datetimeFigureOut">
               <a:rPr lang="en-US" dirty="0"/>
-              <a:t>11/1/2022</a:t>
+              <a:t>11/14/2022</a:t>
             </a:fld>
             <a:endParaRPr lang="en-US" dirty="0"/>
           </a:p>
@@ -3734,7 +3734,7 @@
           <a:p>
             <a:fld id="{9796027F-7875-4030-9381-8BD8C4F21935}" type="datetimeFigureOut">
               <a:rPr lang="en-US" dirty="0"/>
-              <a:t>11/1/2022</a:t>
+              <a:t>11/14/2022</a:t>
             </a:fld>
             <a:endParaRPr lang="en-US" dirty="0"/>
           </a:p>
@@ -4026,7 +4026,7 @@
           <a:p>
             <a:fld id="{9796027F-7875-4030-9381-8BD8C4F21935}" type="datetimeFigureOut">
               <a:rPr lang="en-US" dirty="0"/>
-              <a:t>11/1/2022</a:t>
+              <a:t>11/14/2022</a:t>
             </a:fld>
             <a:endParaRPr lang="en-US" dirty="0"/>
           </a:p>
@@ -4470,7 +4470,7 @@
           <a:p>
             <a:fld id="{9796027F-7875-4030-9381-8BD8C4F21935}" type="datetimeFigureOut">
               <a:rPr lang="en-US" dirty="0"/>
-              <a:t>11/1/2022</a:t>
+              <a:t>11/14/2022</a:t>
             </a:fld>
             <a:endParaRPr lang="en-US" dirty="0"/>
           </a:p>
@@ -4588,7 +4588,7 @@
           <a:p>
             <a:fld id="{4509A250-FF31-4206-8172-F9D3106AACB1}" type="datetimeFigureOut">
               <a:rPr lang="en-US" dirty="0"/>
-              <a:t>11/1/2022</a:t>
+              <a:t>11/14/2022</a:t>
             </a:fld>
             <a:endParaRPr lang="en-US" dirty="0"/>
           </a:p>
@@ -4683,7 +4683,7 @@
           <a:p>
             <a:fld id="{4509A250-FF31-4206-8172-F9D3106AACB1}" type="datetimeFigureOut">
               <a:rPr lang="en-US" dirty="0"/>
-              <a:t>11/1/2022</a:t>
+              <a:t>11/14/2022</a:t>
             </a:fld>
             <a:endParaRPr lang="en-US" dirty="0"/>
           </a:p>
@@ -4962,7 +4962,7 @@
           <a:p>
             <a:fld id="{4509A250-FF31-4206-8172-F9D3106AACB1}" type="datetimeFigureOut">
               <a:rPr lang="en-US" dirty="0"/>
-              <a:t>11/1/2022</a:t>
+              <a:t>11/14/2022</a:t>
             </a:fld>
             <a:endParaRPr lang="en-US" dirty="0"/>
           </a:p>
@@ -5237,7 +5237,7 @@
           <a:p>
             <a:fld id="{4509A250-FF31-4206-8172-F9D3106AACB1}" type="datetimeFigureOut">
               <a:rPr lang="en-US" dirty="0"/>
-              <a:t>11/1/2022</a:t>
+              <a:t>11/14/2022</a:t>
             </a:fld>
             <a:endParaRPr lang="en-US" dirty="0"/>
           </a:p>
@@ -5666,7 +5666,7 @@
           <a:p>
             <a:fld id="{4AAD347D-5ACD-4C99-B74B-A9C85AD731AF}" type="datetimeFigureOut">
               <a:rPr lang="en-US" dirty="0"/>
-              <a:t>11/1/2022</a:t>
+              <a:t>11/14/2022</a:t>
             </a:fld>
             <a:endParaRPr lang="en-US" dirty="0"/>
           </a:p>

--- a/esercitazioni/Laboratory_22-23/Session_3/Lab_03_Slides.pptx
+++ b/esercitazioni/Laboratory_22-23/Session_3/Lab_03_Slides.pptx
@@ -6259,31 +6259,31 @@
               <a:t>Laboratory</a:t>
             </a:r>
             <a:r>
-              <a:rPr lang="it-IT" sz="7200" b="0" strike="noStrike" spc="-1" dirty="0">
+              <a:rPr lang="it-IT" sz="7200" b="0" strike="noStrike" spc="-1">
                 <a:solidFill>
                   <a:srgbClr val="EBEBEB"/>
                 </a:solidFill>
                 <a:latin typeface="Century Gothic"/>
               </a:rPr>
-              <a:t> – </a:t>
-            </a:r>
-            <a:r>
-              <a:rPr lang="it-IT" sz="7200" b="0" strike="noStrike" spc="-1" dirty="0" err="1">
+              <a:t> </a:t>
+            </a:r>
+            <a:r>
+              <a:rPr lang="it-IT" sz="7200" spc="-1">
                 <a:solidFill>
                   <a:srgbClr val="EBEBEB"/>
                 </a:solidFill>
                 <a:latin typeface="Century Gothic"/>
               </a:rPr>
-              <a:t>Lecture</a:t>
-            </a:r>
-            <a:r>
-              <a:rPr lang="it-IT" sz="7200" b="0" strike="noStrike" spc="-1" dirty="0">
+              <a:t>Session </a:t>
+            </a:r>
+            <a:r>
+              <a:rPr lang="it-IT" sz="7200" b="0" strike="noStrike" spc="-1">
                 <a:solidFill>
                   <a:srgbClr val="EBEBEB"/>
                 </a:solidFill>
                 <a:latin typeface="Century Gothic"/>
               </a:rPr>
-              <a:t> 3 </a:t>
+              <a:t>3 </a:t>
             </a:r>
             <a:endParaRPr lang="en-US" sz="7200" b="0" strike="noStrike" spc="-1" dirty="0">
               <a:latin typeface="Arial"/>

--- a/esercitazioni/Laboratory_22-23/Session_3/Lab_03_Slides.pptx
+++ b/esercitazioni/Laboratory_22-23/Session_3/Lab_03_Slides.pptx
@@ -14,8 +14,6 @@
     <p:sldId id="261" r:id="rId8"/>
     <p:sldId id="262" r:id="rId9"/>
     <p:sldId id="263" r:id="rId10"/>
-    <p:sldId id="264" r:id="rId11"/>
-    <p:sldId id="266" r:id="rId12"/>
   </p:sldIdLst>
   <p:sldSz cx="12192000" cy="6858000"/>
   <p:notesSz cx="7559675" cy="10691813"/>
@@ -308,7 +306,7 @@
           <a:p>
             <a:fld id="{4AAD347D-5ACD-4C99-B74B-A9C85AD731AF}" type="datetimeFigureOut">
               <a:rPr lang="en-US" dirty="0"/>
-              <a:t>11/14/2022</a:t>
+              <a:t>3/26/2024</a:t>
             </a:fld>
             <a:endParaRPr lang="en-US" dirty="0"/>
           </a:p>
@@ -583,7 +581,7 @@
           <a:p>
             <a:fld id="{4509A250-FF31-4206-8172-F9D3106AACB1}" type="datetimeFigureOut">
               <a:rPr lang="en-US" dirty="0"/>
-              <a:t>11/14/2022</a:t>
+              <a:t>3/26/2024</a:t>
             </a:fld>
             <a:endParaRPr lang="en-US" dirty="0"/>
           </a:p>
@@ -777,7 +775,7 @@
           <a:p>
             <a:fld id="{4509A250-FF31-4206-8172-F9D3106AACB1}" type="datetimeFigureOut">
               <a:rPr lang="en-US" dirty="0"/>
-              <a:t>11/14/2022</a:t>
+              <a:t>3/26/2024</a:t>
             </a:fld>
             <a:endParaRPr lang="en-US" dirty="0"/>
           </a:p>
@@ -1050,7 +1048,7 @@
           <a:p>
             <a:fld id="{4509A250-FF31-4206-8172-F9D3106AACB1}" type="datetimeFigureOut">
               <a:rPr lang="en-US" dirty="0"/>
-              <a:t>11/14/2022</a:t>
+              <a:t>3/26/2024</a:t>
             </a:fld>
             <a:endParaRPr lang="en-US" dirty="0"/>
           </a:p>
@@ -1391,7 +1389,7 @@
           <a:p>
             <a:fld id="{4509A250-FF31-4206-8172-F9D3106AACB1}" type="datetimeFigureOut">
               <a:rPr lang="en-US" dirty="0"/>
-              <a:t>11/14/2022</a:t>
+              <a:t>3/26/2024</a:t>
             </a:fld>
             <a:endParaRPr lang="en-US" dirty="0"/>
           </a:p>
@@ -2014,7 +2012,7 @@
           <a:p>
             <a:fld id="{4509A250-FF31-4206-8172-F9D3106AACB1}" type="datetimeFigureOut">
               <a:rPr lang="en-US" dirty="0"/>
-              <a:t>11/14/2022</a:t>
+              <a:t>3/26/2024</a:t>
             </a:fld>
             <a:endParaRPr lang="en-US" dirty="0"/>
           </a:p>
@@ -2874,7 +2872,7 @@
           <a:p>
             <a:fld id="{4509A250-FF31-4206-8172-F9D3106AACB1}" type="datetimeFigureOut">
               <a:rPr lang="en-US" dirty="0"/>
-              <a:t>11/14/2022</a:t>
+              <a:t>3/26/2024</a:t>
             </a:fld>
             <a:endParaRPr lang="en-US" dirty="0"/>
           </a:p>
@@ -3044,7 +3042,7 @@
           <a:p>
             <a:fld id="{4509A250-FF31-4206-8172-F9D3106AACB1}" type="datetimeFigureOut">
               <a:rPr lang="en-US" dirty="0"/>
-              <a:t>11/14/2022</a:t>
+              <a:t>3/26/2024</a:t>
             </a:fld>
             <a:endParaRPr lang="en-US" dirty="0"/>
           </a:p>
@@ -3224,7 +3222,7 @@
           <a:p>
             <a:fld id="{4509A250-FF31-4206-8172-F9D3106AACB1}" type="datetimeFigureOut">
               <a:rPr lang="en-US" dirty="0"/>
-              <a:t>11/14/2022</a:t>
+              <a:t>3/26/2024</a:t>
             </a:fld>
             <a:endParaRPr lang="en-US" dirty="0"/>
           </a:p>
@@ -3487,7 +3485,7 @@
           <a:p>
             <a:fld id="{4509A250-FF31-4206-8172-F9D3106AACB1}" type="datetimeFigureOut">
               <a:rPr lang="en-US" dirty="0"/>
-              <a:t>11/14/2022</a:t>
+              <a:t>3/26/2024</a:t>
             </a:fld>
             <a:endParaRPr lang="en-US" dirty="0"/>
           </a:p>
@@ -3734,7 +3732,7 @@
           <a:p>
             <a:fld id="{9796027F-7875-4030-9381-8BD8C4F21935}" type="datetimeFigureOut">
               <a:rPr lang="en-US" dirty="0"/>
-              <a:t>11/14/2022</a:t>
+              <a:t>3/26/2024</a:t>
             </a:fld>
             <a:endParaRPr lang="en-US" dirty="0"/>
           </a:p>
@@ -4026,7 +4024,7 @@
           <a:p>
             <a:fld id="{9796027F-7875-4030-9381-8BD8C4F21935}" type="datetimeFigureOut">
               <a:rPr lang="en-US" dirty="0"/>
-              <a:t>11/14/2022</a:t>
+              <a:t>3/26/2024</a:t>
             </a:fld>
             <a:endParaRPr lang="en-US" dirty="0"/>
           </a:p>
@@ -4470,7 +4468,7 @@
           <a:p>
             <a:fld id="{9796027F-7875-4030-9381-8BD8C4F21935}" type="datetimeFigureOut">
               <a:rPr lang="en-US" dirty="0"/>
-              <a:t>11/14/2022</a:t>
+              <a:t>3/26/2024</a:t>
             </a:fld>
             <a:endParaRPr lang="en-US" dirty="0"/>
           </a:p>
@@ -4588,7 +4586,7 @@
           <a:p>
             <a:fld id="{4509A250-FF31-4206-8172-F9D3106AACB1}" type="datetimeFigureOut">
               <a:rPr lang="en-US" dirty="0"/>
-              <a:t>11/14/2022</a:t>
+              <a:t>3/26/2024</a:t>
             </a:fld>
             <a:endParaRPr lang="en-US" dirty="0"/>
           </a:p>
@@ -4683,7 +4681,7 @@
           <a:p>
             <a:fld id="{4509A250-FF31-4206-8172-F9D3106AACB1}" type="datetimeFigureOut">
               <a:rPr lang="en-US" dirty="0"/>
-              <a:t>11/14/2022</a:t>
+              <a:t>3/26/2024</a:t>
             </a:fld>
             <a:endParaRPr lang="en-US" dirty="0"/>
           </a:p>
@@ -4962,7 +4960,7 @@
           <a:p>
             <a:fld id="{4509A250-FF31-4206-8172-F9D3106AACB1}" type="datetimeFigureOut">
               <a:rPr lang="en-US" dirty="0"/>
-              <a:t>11/14/2022</a:t>
+              <a:t>3/26/2024</a:t>
             </a:fld>
             <a:endParaRPr lang="en-US" dirty="0"/>
           </a:p>
@@ -5237,7 +5235,7 @@
           <a:p>
             <a:fld id="{4509A250-FF31-4206-8172-F9D3106AACB1}" type="datetimeFigureOut">
               <a:rPr lang="en-US" dirty="0"/>
-              <a:t>11/14/2022</a:t>
+              <a:t>3/26/2024</a:t>
             </a:fld>
             <a:endParaRPr lang="en-US" dirty="0"/>
           </a:p>
@@ -5666,7 +5664,7 @@
           <a:p>
             <a:fld id="{4AAD347D-5ACD-4C99-B74B-A9C85AD731AF}" type="datetimeFigureOut">
               <a:rPr lang="en-US" dirty="0"/>
-              <a:t>11/14/2022</a:t>
+              <a:t>3/26/2024</a:t>
             </a:fld>
             <a:endParaRPr lang="en-US" dirty="0"/>
           </a:p>
@@ -6362,487 +6360,6 @@
 </p:sld>
 </file>
 
-<file path=ppt/slides/slide10.xml><?xml version="1.0" encoding="utf-8"?>
-<p:sld xmlns:a="http://schemas.openxmlformats.org/drawingml/2006/main" xmlns:r="http://schemas.openxmlformats.org/officeDocument/2006/relationships" xmlns:p="http://schemas.openxmlformats.org/presentationml/2006/main">
-  <p:cSld>
-    <p:spTree>
-      <p:nvGrpSpPr>
-        <p:cNvPr id="1" name=""/>
-        <p:cNvGrpSpPr/>
-        <p:nvPr/>
-      </p:nvGrpSpPr>
-      <p:grpSpPr>
-        <a:xfrm>
-          <a:off x="0" y="0"/>
-          <a:ext cx="0" cy="0"/>
-          <a:chOff x="0" y="0"/>
-          <a:chExt cx="0" cy="0"/>
-        </a:xfrm>
-      </p:grpSpPr>
-      <p:sp>
-        <p:nvSpPr>
-          <p:cNvPr id="105" name="CustomShape 1"/>
-          <p:cNvSpPr/>
-          <p:nvPr/>
-        </p:nvSpPr>
-        <p:spPr>
-          <a:xfrm>
-            <a:off x="636575" y="453600"/>
-            <a:ext cx="9403920" cy="1399680"/>
-          </a:xfrm>
-          <a:prstGeom prst="rect">
-            <a:avLst/>
-          </a:prstGeom>
-          <a:noFill/>
-          <a:ln>
-            <a:noFill/>
-          </a:ln>
-        </p:spPr>
-        <p:style>
-          <a:lnRef idx="0">
-            <a:scrgbClr r="0" g="0" b="0"/>
-          </a:lnRef>
-          <a:fillRef idx="0">
-            <a:scrgbClr r="0" g="0" b="0"/>
-          </a:fillRef>
-          <a:effectRef idx="0">
-            <a:scrgbClr r="0" g="0" b="0"/>
-          </a:effectRef>
-          <a:fontRef idx="minor"/>
-        </p:style>
-        <p:txBody>
-          <a:bodyPr lIns="90000" tIns="45000" rIns="90000" bIns="45000">
-            <a:noAutofit/>
-          </a:bodyPr>
-          <a:lstStyle/>
-          <a:p>
-            <a:pPr>
-              <a:lnSpc>
-                <a:spcPct val="100000"/>
-              </a:lnSpc>
-            </a:pPr>
-            <a:r>
-              <a:rPr lang="it-IT" sz="4200" b="0" strike="noStrike" spc="-1">
-                <a:solidFill>
-                  <a:srgbClr val="EBEBEB"/>
-                </a:solidFill>
-                <a:latin typeface="Century Gothic"/>
-              </a:rPr>
-              <a:t>Letsencrypt certificates</a:t>
-            </a:r>
-            <a:endParaRPr lang="en-US" sz="4200" b="0" strike="noStrike" spc="-1">
-              <a:latin typeface="Arial"/>
-            </a:endParaRPr>
-          </a:p>
-        </p:txBody>
-      </p:sp>
-      <p:sp>
-        <p:nvSpPr>
-          <p:cNvPr id="106" name="CustomShape 2"/>
-          <p:cNvSpPr/>
-          <p:nvPr/>
-        </p:nvSpPr>
-        <p:spPr>
-          <a:xfrm>
-            <a:off x="1023480" y="2209680"/>
-            <a:ext cx="8946000" cy="4194720"/>
-          </a:xfrm>
-          <a:prstGeom prst="rect">
-            <a:avLst/>
-          </a:prstGeom>
-          <a:noFill/>
-          <a:ln>
-            <a:noFill/>
-          </a:ln>
-        </p:spPr>
-        <p:style>
-          <a:lnRef idx="0">
-            <a:scrgbClr r="0" g="0" b="0"/>
-          </a:lnRef>
-          <a:fillRef idx="0">
-            <a:scrgbClr r="0" g="0" b="0"/>
-          </a:fillRef>
-          <a:effectRef idx="0">
-            <a:scrgbClr r="0" g="0" b="0"/>
-          </a:effectRef>
-          <a:fontRef idx="minor"/>
-        </p:style>
-        <p:txBody>
-          <a:bodyPr lIns="90000" tIns="45000" rIns="90000" bIns="45000">
-            <a:noAutofit/>
-          </a:bodyPr>
-          <a:lstStyle/>
-          <a:p>
-            <a:pPr marL="343080" indent="-342360">
-              <a:lnSpc>
-                <a:spcPct val="100000"/>
-              </a:lnSpc>
-              <a:spcBef>
-                <a:spcPts val="1001"/>
-              </a:spcBef>
-              <a:buClr>
-                <a:srgbClr val="8AD0D6"/>
-              </a:buClr>
-              <a:buSzPct val="80000"/>
-              <a:buFont typeface="Wingdings 3" charset="2"/>
-              <a:buChar char=""/>
-            </a:pPr>
-            <a:r>
-              <a:rPr lang="it-IT" sz="2000" b="0" strike="noStrike" spc="-1" dirty="0" err="1">
-                <a:solidFill>
-                  <a:srgbClr val="FFFFFF"/>
-                </a:solidFill>
-                <a:latin typeface="Century Gothic"/>
-              </a:rPr>
-              <a:t>Letsencrypt</a:t>
-            </a:r>
-            <a:r>
-              <a:rPr lang="it-IT" sz="2000" b="0" strike="noStrike" spc="-1" dirty="0">
-                <a:solidFill>
-                  <a:srgbClr val="FFFFFF"/>
-                </a:solidFill>
-                <a:latin typeface="Century Gothic"/>
-              </a:rPr>
-              <a:t> </a:t>
-            </a:r>
-            <a:r>
-              <a:rPr lang="it-IT" sz="2000" b="0" strike="noStrike" spc="-1" dirty="0" err="1">
-                <a:solidFill>
-                  <a:srgbClr val="FFFFFF"/>
-                </a:solidFill>
-                <a:latin typeface="Century Gothic"/>
-              </a:rPr>
-              <a:t>it’s</a:t>
-            </a:r>
-            <a:r>
-              <a:rPr lang="it-IT" sz="2000" b="0" strike="noStrike" spc="-1" dirty="0">
-                <a:solidFill>
-                  <a:srgbClr val="FFFFFF"/>
-                </a:solidFill>
-                <a:latin typeface="Century Gothic"/>
-              </a:rPr>
-              <a:t> a free Certificate Authority</a:t>
-            </a:r>
-            <a:endParaRPr lang="en-US" sz="2000" b="0" strike="noStrike" spc="-1" dirty="0">
-              <a:latin typeface="Arial"/>
-            </a:endParaRPr>
-          </a:p>
-          <a:p>
-            <a:pPr>
-              <a:lnSpc>
-                <a:spcPct val="100000"/>
-              </a:lnSpc>
-              <a:spcBef>
-                <a:spcPts val="1001"/>
-              </a:spcBef>
-            </a:pPr>
-            <a:endParaRPr lang="en-US" sz="2000" b="0" strike="noStrike" spc="-1" dirty="0">
-              <a:latin typeface="Arial"/>
-            </a:endParaRPr>
-          </a:p>
-          <a:p>
-            <a:pPr marL="343080" indent="-342360">
-              <a:lnSpc>
-                <a:spcPct val="100000"/>
-              </a:lnSpc>
-              <a:spcBef>
-                <a:spcPts val="1001"/>
-              </a:spcBef>
-              <a:buClr>
-                <a:srgbClr val="8AD0D6"/>
-              </a:buClr>
-              <a:buSzPct val="80000"/>
-              <a:buFont typeface="Wingdings 3" charset="2"/>
-              <a:buChar char=""/>
-            </a:pPr>
-            <a:r>
-              <a:rPr lang="en-GB" sz="2000" b="0" strike="noStrike" spc="-1" dirty="0">
-                <a:solidFill>
-                  <a:srgbClr val="FFFFFF"/>
-                </a:solidFill>
-                <a:latin typeface="Century Gothic"/>
-              </a:rPr>
-              <a:t>Try to obtain a valid certificate using </a:t>
-            </a:r>
-            <a:r>
-              <a:rPr lang="en-GB" sz="2000" b="0" strike="noStrike" spc="-1" dirty="0" err="1">
-                <a:solidFill>
-                  <a:srgbClr val="FFFFFF"/>
-                </a:solidFill>
-                <a:latin typeface="Century Gothic"/>
-              </a:rPr>
-              <a:t>letsencrypt</a:t>
-            </a:r>
-            <a:endParaRPr lang="en-US" sz="2000" b="0" strike="noStrike" spc="-1" dirty="0">
-              <a:latin typeface="Arial"/>
-            </a:endParaRPr>
-          </a:p>
-          <a:p>
-            <a:pPr>
-              <a:lnSpc>
-                <a:spcPct val="100000"/>
-              </a:lnSpc>
-              <a:spcBef>
-                <a:spcPts val="1001"/>
-              </a:spcBef>
-            </a:pPr>
-            <a:endParaRPr lang="en-US" sz="2000" b="0" strike="noStrike" spc="-1" dirty="0">
-              <a:latin typeface="Arial"/>
-            </a:endParaRPr>
-          </a:p>
-        </p:txBody>
-      </p:sp>
-    </p:spTree>
-  </p:cSld>
-  <p:clrMapOvr>
-    <a:masterClrMapping/>
-  </p:clrMapOvr>
-</p:sld>
-</file>
-
-<file path=ppt/slides/slide11.xml><?xml version="1.0" encoding="utf-8"?>
-<p:sld xmlns:a="http://schemas.openxmlformats.org/drawingml/2006/main" xmlns:r="http://schemas.openxmlformats.org/officeDocument/2006/relationships" xmlns:p="http://schemas.openxmlformats.org/presentationml/2006/main">
-  <p:cSld>
-    <p:spTree>
-      <p:nvGrpSpPr>
-        <p:cNvPr id="1" name=""/>
-        <p:cNvGrpSpPr/>
-        <p:nvPr/>
-      </p:nvGrpSpPr>
-      <p:grpSpPr>
-        <a:xfrm>
-          <a:off x="0" y="0"/>
-          <a:ext cx="0" cy="0"/>
-          <a:chOff x="0" y="0"/>
-          <a:chExt cx="0" cy="0"/>
-        </a:xfrm>
-      </p:grpSpPr>
-      <p:sp>
-        <p:nvSpPr>
-          <p:cNvPr id="108" name="CustomShape 1"/>
-          <p:cNvSpPr/>
-          <p:nvPr/>
-        </p:nvSpPr>
-        <p:spPr>
-          <a:xfrm>
-            <a:off x="646200" y="452880"/>
-            <a:ext cx="9403920" cy="1399680"/>
-          </a:xfrm>
-          <a:prstGeom prst="rect">
-            <a:avLst/>
-          </a:prstGeom>
-          <a:noFill/>
-          <a:ln>
-            <a:noFill/>
-          </a:ln>
-        </p:spPr>
-        <p:style>
-          <a:lnRef idx="0">
-            <a:scrgbClr r="0" g="0" b="0"/>
-          </a:lnRef>
-          <a:fillRef idx="0">
-            <a:scrgbClr r="0" g="0" b="0"/>
-          </a:fillRef>
-          <a:effectRef idx="0">
-            <a:scrgbClr r="0" g="0" b="0"/>
-          </a:effectRef>
-          <a:fontRef idx="minor"/>
-        </p:style>
-        <p:txBody>
-          <a:bodyPr lIns="90000" tIns="45000" rIns="90000" bIns="45000">
-            <a:noAutofit/>
-          </a:bodyPr>
-          <a:lstStyle/>
-          <a:p>
-            <a:pPr>
-              <a:lnSpc>
-                <a:spcPct val="100000"/>
-              </a:lnSpc>
-            </a:pPr>
-            <a:r>
-              <a:rPr lang="it-IT" sz="4200" b="0" strike="noStrike" spc="-1">
-                <a:solidFill>
-                  <a:srgbClr val="EBEBEB"/>
-                </a:solidFill>
-                <a:latin typeface="Century Gothic"/>
-              </a:rPr>
-              <a:t>Configure Web Server with Letsencrypt certificate</a:t>
-            </a:r>
-            <a:endParaRPr lang="en-US" sz="4200" b="0" strike="noStrike" spc="-1">
-              <a:latin typeface="Arial"/>
-            </a:endParaRPr>
-          </a:p>
-        </p:txBody>
-      </p:sp>
-      <p:sp>
-        <p:nvSpPr>
-          <p:cNvPr id="109" name="CustomShape 2"/>
-          <p:cNvSpPr/>
-          <p:nvPr/>
-        </p:nvSpPr>
-        <p:spPr>
-          <a:xfrm>
-            <a:off x="1103400" y="2053080"/>
-            <a:ext cx="8946000" cy="4194720"/>
-          </a:xfrm>
-          <a:prstGeom prst="rect">
-            <a:avLst/>
-          </a:prstGeom>
-          <a:noFill/>
-          <a:ln>
-            <a:noFill/>
-          </a:ln>
-        </p:spPr>
-        <p:style>
-          <a:lnRef idx="0">
-            <a:scrgbClr r="0" g="0" b="0"/>
-          </a:lnRef>
-          <a:fillRef idx="0">
-            <a:scrgbClr r="0" g="0" b="0"/>
-          </a:fillRef>
-          <a:effectRef idx="0">
-            <a:scrgbClr r="0" g="0" b="0"/>
-          </a:effectRef>
-          <a:fontRef idx="minor"/>
-        </p:style>
-        <p:txBody>
-          <a:bodyPr lIns="90000" tIns="45000" rIns="90000" bIns="45000">
-            <a:noAutofit/>
-          </a:bodyPr>
-          <a:lstStyle/>
-          <a:p>
-            <a:pPr>
-              <a:lnSpc>
-                <a:spcPct val="100000"/>
-              </a:lnSpc>
-              <a:spcBef>
-                <a:spcPts val="1001"/>
-              </a:spcBef>
-            </a:pPr>
-            <a:endParaRPr lang="en-US" sz="1800" b="0" strike="noStrike" spc="-1">
-              <a:latin typeface="Arial"/>
-            </a:endParaRPr>
-          </a:p>
-          <a:p>
-            <a:pPr marL="343080" indent="-342360">
-              <a:lnSpc>
-                <a:spcPct val="100000"/>
-              </a:lnSpc>
-              <a:spcBef>
-                <a:spcPts val="1001"/>
-              </a:spcBef>
-              <a:buClr>
-                <a:srgbClr val="8AD0D6"/>
-              </a:buClr>
-              <a:buSzPct val="80000"/>
-              <a:buFont typeface="Wingdings 3" charset="2"/>
-              <a:buChar char=""/>
-            </a:pPr>
-            <a:r>
-              <a:rPr lang="it-IT" sz="2000" b="0" strike="noStrike" spc="-1">
-                <a:solidFill>
-                  <a:srgbClr val="FFFFFF"/>
-                </a:solidFill>
-                <a:latin typeface="Century Gothic"/>
-              </a:rPr>
-              <a:t>Change the configuration of Apache in order to use letsencrypt certificate</a:t>
-            </a:r>
-            <a:endParaRPr lang="en-US" sz="2000" b="0" strike="noStrike" spc="-1">
-              <a:latin typeface="Arial"/>
-            </a:endParaRPr>
-          </a:p>
-          <a:p>
-            <a:pPr>
-              <a:lnSpc>
-                <a:spcPct val="100000"/>
-              </a:lnSpc>
-              <a:spcBef>
-                <a:spcPts val="1001"/>
-              </a:spcBef>
-            </a:pPr>
-            <a:endParaRPr lang="en-US" sz="2000" b="0" strike="noStrike" spc="-1">
-              <a:latin typeface="Arial"/>
-            </a:endParaRPr>
-          </a:p>
-          <a:p>
-            <a:pPr marL="343080" indent="-342360">
-              <a:lnSpc>
-                <a:spcPct val="100000"/>
-              </a:lnSpc>
-              <a:spcBef>
-                <a:spcPts val="1001"/>
-              </a:spcBef>
-              <a:buClr>
-                <a:srgbClr val="8AD0D6"/>
-              </a:buClr>
-              <a:buSzPct val="80000"/>
-              <a:buFont typeface="Wingdings 3" charset="2"/>
-              <a:buChar char=""/>
-            </a:pPr>
-            <a:r>
-              <a:rPr lang="it-IT" sz="2000" b="0" strike="noStrike" spc="-1">
-                <a:solidFill>
-                  <a:srgbClr val="FFFFFF"/>
-                </a:solidFill>
-                <a:latin typeface="Century Gothic"/>
-              </a:rPr>
-              <a:t>Connect with a browser</a:t>
-            </a:r>
-            <a:endParaRPr lang="en-US" sz="2000" b="0" strike="noStrike" spc="-1">
-              <a:latin typeface="Arial"/>
-            </a:endParaRPr>
-          </a:p>
-          <a:p>
-            <a:pPr>
-              <a:lnSpc>
-                <a:spcPct val="100000"/>
-              </a:lnSpc>
-              <a:spcBef>
-                <a:spcPts val="1001"/>
-              </a:spcBef>
-            </a:pPr>
-            <a:endParaRPr lang="en-US" sz="2000" b="0" strike="noStrike" spc="-1">
-              <a:latin typeface="Arial"/>
-            </a:endParaRPr>
-          </a:p>
-          <a:p>
-            <a:pPr marL="343080" indent="-342360">
-              <a:lnSpc>
-                <a:spcPct val="100000"/>
-              </a:lnSpc>
-              <a:spcBef>
-                <a:spcPts val="1001"/>
-              </a:spcBef>
-              <a:buClr>
-                <a:srgbClr val="8AD0D6"/>
-              </a:buClr>
-              <a:buSzPct val="80000"/>
-              <a:buFont typeface="Wingdings 3" charset="2"/>
-              <a:buChar char=""/>
-            </a:pPr>
-            <a:r>
-              <a:rPr lang="it-IT" sz="2000" b="0" strike="noStrike" spc="-1">
-                <a:solidFill>
-                  <a:srgbClr val="FFFFFF"/>
-                </a:solidFill>
-                <a:latin typeface="Century Gothic"/>
-              </a:rPr>
-              <a:t>There are any differences on browser between selfsigned and valid certificates?</a:t>
-            </a:r>
-            <a:endParaRPr lang="en-US" sz="2000" b="0" strike="noStrike" spc="-1">
-              <a:latin typeface="Arial"/>
-            </a:endParaRPr>
-          </a:p>
-        </p:txBody>
-      </p:sp>
-    </p:spTree>
-  </p:cSld>
-  <p:clrMapOvr>
-    <a:masterClrMapping/>
-  </p:clrMapOvr>
-</p:sld>
-</file>
-
 <file path=ppt/slides/slide2.xml><?xml version="1.0" encoding="utf-8"?>
 <p:sld xmlns:a="http://schemas.openxmlformats.org/drawingml/2006/main" xmlns:r="http://schemas.openxmlformats.org/officeDocument/2006/relationships" xmlns:p="http://schemas.openxmlformats.org/presentationml/2006/main">
   <p:cSld>
@@ -7556,7 +7073,7 @@
                   <a:srgbClr val="FFFFFF"/>
                 </a:solidFill>
               </a:rPr>
-              <a:t>The client contacts the server using a secure URL (HTTPS…)</a:t>
+              <a:t>The client contacts the server using a secure URL (HTTPS://)</a:t>
             </a:r>
           </a:p>
           <a:p>
@@ -8977,7 +8494,7 @@
                 </a:solidFill>
                 <a:latin typeface="Century Gothic"/>
               </a:rPr>
-              <a:t>They are not valid because </a:t>
+              <a:t>They are not valid </a:t>
             </a:r>
             <a:r>
               <a:rPr lang="en-GB" sz="2000" spc="-1" dirty="0">
@@ -9810,17 +9327,11 @@
               </a:lnSpc>
             </a:pPr>
             <a:r>
-              <a:rPr lang="it-IT" sz="4200" b="0" strike="noStrike" spc="-1" dirty="0">
-                <a:solidFill>
-                  <a:srgbClr val="EBEBEB"/>
-                </a:solidFill>
-                <a:latin typeface="Century Gothic"/>
-              </a:rPr>
-              <a:t>Start a Web Server with certificate</a:t>
-            </a:r>
-            <a:endParaRPr lang="en-US" sz="4200" b="0" strike="noStrike" spc="-1" dirty="0">
-              <a:latin typeface="Arial"/>
-            </a:endParaRPr>
+              <a:rPr lang="en-US" sz="4200" b="0" strike="noStrike" spc="-1" dirty="0">
+                <a:latin typeface="Arial"/>
+              </a:rPr>
+              <a:t>Goal</a:t>
+            </a:r>
           </a:p>
         </p:txBody>
       </p:sp>
@@ -9832,8 +9343,8 @@
         </p:nvSpPr>
         <p:spPr>
           <a:xfrm>
-            <a:off x="1103400" y="2053080"/>
-            <a:ext cx="8946000" cy="4194720"/>
+            <a:off x="1103400" y="1407616"/>
+            <a:ext cx="8946000" cy="4880717"/>
           </a:xfrm>
           <a:prstGeom prst="rect">
             <a:avLst/>
@@ -9889,40 +9400,13 @@
               <a:buChar char=""/>
             </a:pPr>
             <a:r>
-              <a:rPr lang="it-IT" sz="2000" b="0" strike="noStrike" spc="-1" dirty="0" err="1">
-                <a:solidFill>
-                  <a:srgbClr val="FFFFFF"/>
-                </a:solidFill>
-                <a:latin typeface="Century Gothic"/>
-              </a:rPr>
-              <a:t>Let’s</a:t>
-            </a:r>
-            <a:r>
               <a:rPr lang="it-IT" sz="2000" b="0" strike="noStrike" spc="-1" dirty="0">
                 <a:solidFill>
                   <a:srgbClr val="FFFFFF"/>
                 </a:solidFill>
                 <a:latin typeface="Century Gothic"/>
               </a:rPr>
-              <a:t> </a:t>
-            </a:r>
-            <a:r>
-              <a:rPr lang="it-IT" sz="2000" b="0" strike="noStrike" spc="-1" dirty="0" err="1">
-                <a:solidFill>
-                  <a:srgbClr val="FFFFFF"/>
-                </a:solidFill>
-                <a:latin typeface="Century Gothic"/>
-              </a:rPr>
-              <a:t>now</a:t>
-            </a:r>
-            <a:r>
-              <a:rPr lang="it-IT" sz="2000" b="0" strike="noStrike" spc="-1" dirty="0">
-                <a:solidFill>
-                  <a:srgbClr val="FFFFFF"/>
-                </a:solidFill>
-                <a:latin typeface="Century Gothic"/>
-              </a:rPr>
-              <a:t> start </a:t>
+              <a:t>Create </a:t>
             </a:r>
             <a:r>
               <a:rPr lang="it-IT" sz="2000" b="0" strike="noStrike" spc="-1" dirty="0" err="1">
@@ -10032,25 +9516,7 @@
                 </a:solidFill>
                 <a:latin typeface="Century Gothic"/>
               </a:rPr>
-              <a:t> certificate on </a:t>
-            </a:r>
-            <a:r>
-              <a:rPr lang="it-IT" sz="2000" b="0" strike="noStrike" spc="-1" dirty="0" err="1">
-                <a:solidFill>
-                  <a:srgbClr val="FFFFFF"/>
-                </a:solidFill>
-                <a:latin typeface="Century Gothic"/>
-              </a:rPr>
-              <a:t>your</a:t>
-            </a:r>
-            <a:r>
-              <a:rPr lang="it-IT" sz="2000" b="0" strike="noStrike" spc="-1" dirty="0">
-                <a:solidFill>
-                  <a:srgbClr val="FFFFFF"/>
-                </a:solidFill>
-                <a:latin typeface="Century Gothic"/>
-              </a:rPr>
-              <a:t> server</a:t>
+              <a:t> certificate</a:t>
             </a:r>
           </a:p>
           <a:p>
@@ -10077,6 +9543,301 @@
           </a:p>
           <a:p>
             <a:pPr marL="343080" indent="-342360">
+              <a:spcBef>
+                <a:spcPts val="1001"/>
+              </a:spcBef>
+              <a:buClr>
+                <a:srgbClr val="8AD0D6"/>
+              </a:buClr>
+              <a:buSzPct val="80000"/>
+              <a:buFont typeface="Wingdings 3" charset="2"/>
+              <a:buChar char=""/>
+            </a:pPr>
+            <a:r>
+              <a:rPr lang="it-IT" sz="2000" b="0" strike="noStrike" spc="-1" dirty="0">
+                <a:solidFill>
+                  <a:srgbClr val="FFFFFF"/>
+                </a:solidFill>
+                <a:latin typeface="Century Gothic"/>
+              </a:rPr>
+              <a:t>Generate </a:t>
+            </a:r>
+            <a:r>
+              <a:rPr lang="en-GB" sz="2000" b="0" strike="noStrike" spc="-1" dirty="0">
+                <a:solidFill>
+                  <a:srgbClr val="FFFFFF"/>
+                </a:solidFill>
+                <a:latin typeface="Century Gothic"/>
+              </a:rPr>
+              <a:t>a valid certificate using </a:t>
+            </a:r>
+            <a:r>
+              <a:rPr lang="en-GB" sz="2000" b="0" strike="noStrike" spc="-1" dirty="0" err="1">
+                <a:solidFill>
+                  <a:srgbClr val="FFFFFF"/>
+                </a:solidFill>
+                <a:latin typeface="Century Gothic"/>
+              </a:rPr>
+              <a:t>letsencrypt</a:t>
+            </a:r>
+            <a:endParaRPr lang="en-GB" sz="2000" b="0" strike="noStrike" spc="-1" dirty="0">
+              <a:solidFill>
+                <a:srgbClr val="FFFFFF"/>
+              </a:solidFill>
+              <a:latin typeface="Century Gothic"/>
+            </a:endParaRPr>
+          </a:p>
+          <a:p>
+            <a:pPr marL="800280" lvl="1" indent="-342360">
+              <a:spcBef>
+                <a:spcPts val="1001"/>
+              </a:spcBef>
+              <a:buClr>
+                <a:srgbClr val="8AD0D6"/>
+              </a:buClr>
+              <a:buSzPct val="80000"/>
+              <a:buFont typeface="Wingdings 3" charset="2"/>
+              <a:buChar char=""/>
+            </a:pPr>
+            <a:r>
+              <a:rPr lang="it-IT" sz="2000" b="0" strike="noStrike" spc="-1" dirty="0" err="1">
+                <a:solidFill>
+                  <a:srgbClr val="FFFFFF"/>
+                </a:solidFill>
+                <a:latin typeface="Century Gothic"/>
+              </a:rPr>
+              <a:t>Letsencrypt</a:t>
+            </a:r>
+            <a:r>
+              <a:rPr lang="it-IT" sz="2000" b="0" strike="noStrike" spc="-1" dirty="0">
+                <a:solidFill>
+                  <a:srgbClr val="FFFFFF"/>
+                </a:solidFill>
+                <a:latin typeface="Century Gothic"/>
+              </a:rPr>
+              <a:t> </a:t>
+            </a:r>
+            <a:r>
+              <a:rPr lang="it-IT" sz="2000" spc="-1" dirty="0" err="1">
+                <a:solidFill>
+                  <a:srgbClr val="FFFFFF"/>
+                </a:solidFill>
+                <a:latin typeface="Century Gothic"/>
+              </a:rPr>
+              <a:t>i</a:t>
+            </a:r>
+            <a:r>
+              <a:rPr lang="it-IT" sz="2000" b="0" strike="noStrike" spc="-1" dirty="0" err="1">
+                <a:solidFill>
+                  <a:srgbClr val="FFFFFF"/>
+                </a:solidFill>
+                <a:latin typeface="Century Gothic"/>
+              </a:rPr>
+              <a:t>s</a:t>
+            </a:r>
+            <a:r>
+              <a:rPr lang="it-IT" sz="2000" b="0" strike="noStrike" spc="-1" dirty="0">
+                <a:solidFill>
+                  <a:srgbClr val="FFFFFF"/>
+                </a:solidFill>
+                <a:latin typeface="Century Gothic"/>
+              </a:rPr>
+              <a:t> a free Certificate Authority</a:t>
+            </a:r>
+          </a:p>
+          <a:p>
+            <a:pPr marL="343080" indent="-342360">
+              <a:spcBef>
+                <a:spcPts val="1001"/>
+              </a:spcBef>
+              <a:buClr>
+                <a:srgbClr val="8AD0D6"/>
+              </a:buClr>
+              <a:buSzPct val="80000"/>
+              <a:buFont typeface="Wingdings 3" charset="2"/>
+              <a:buChar char=""/>
+            </a:pPr>
+            <a:endParaRPr lang="it-IT" sz="2000" spc="-1" dirty="0">
+              <a:solidFill>
+                <a:srgbClr val="FFFFFF"/>
+              </a:solidFill>
+              <a:latin typeface="Century Gothic"/>
+            </a:endParaRPr>
+          </a:p>
+          <a:p>
+            <a:pPr marL="343080" indent="-342360">
+              <a:spcBef>
+                <a:spcPts val="1001"/>
+              </a:spcBef>
+              <a:buClr>
+                <a:srgbClr val="8AD0D6"/>
+              </a:buClr>
+              <a:buSzPct val="80000"/>
+              <a:buFont typeface="Wingdings 3" charset="2"/>
+              <a:buChar char=""/>
+            </a:pPr>
+            <a:r>
+              <a:rPr lang="it-IT" sz="2000" b="0" strike="noStrike" spc="-1" dirty="0">
+                <a:solidFill>
+                  <a:srgbClr val="FFFFFF"/>
+                </a:solidFill>
+                <a:latin typeface="Century Gothic"/>
+              </a:rPr>
+              <a:t>Update Apache </a:t>
+            </a:r>
+            <a:r>
+              <a:rPr lang="it-IT" sz="2000" b="0" strike="noStrike" spc="-1" dirty="0" err="1">
+                <a:solidFill>
+                  <a:srgbClr val="FFFFFF"/>
+                </a:solidFill>
+                <a:latin typeface="Century Gothic"/>
+              </a:rPr>
+              <a:t>configuration</a:t>
+            </a:r>
+            <a:r>
+              <a:rPr lang="it-IT" sz="2000" b="0" strike="noStrike" spc="-1" dirty="0">
+                <a:solidFill>
+                  <a:srgbClr val="FFFFFF"/>
+                </a:solidFill>
+                <a:latin typeface="Century Gothic"/>
+              </a:rPr>
+              <a:t> to use </a:t>
+            </a:r>
+            <a:r>
+              <a:rPr lang="it-IT" sz="2000" b="0" strike="noStrike" spc="-1" dirty="0" err="1">
+                <a:solidFill>
+                  <a:srgbClr val="FFFFFF"/>
+                </a:solidFill>
+                <a:latin typeface="Century Gothic"/>
+              </a:rPr>
+              <a:t>letsencrypt</a:t>
+            </a:r>
+            <a:r>
+              <a:rPr lang="it-IT" sz="2000" b="0" strike="noStrike" spc="-1" dirty="0">
+                <a:solidFill>
+                  <a:srgbClr val="FFFFFF"/>
+                </a:solidFill>
+                <a:latin typeface="Century Gothic"/>
+              </a:rPr>
+              <a:t> certificate</a:t>
+            </a:r>
+          </a:p>
+          <a:p>
+            <a:pPr marL="343080" indent="-342360">
+              <a:spcBef>
+                <a:spcPts val="1001"/>
+              </a:spcBef>
+              <a:buClr>
+                <a:srgbClr val="8AD0D6"/>
+              </a:buClr>
+              <a:buSzPct val="80000"/>
+              <a:buFont typeface="Wingdings 3" charset="2"/>
+              <a:buChar char=""/>
+            </a:pPr>
+            <a:endParaRPr lang="it-IT" sz="2000" spc="-1" dirty="0">
+              <a:solidFill>
+                <a:srgbClr val="FFFFFF"/>
+              </a:solidFill>
+              <a:latin typeface="Century Gothic"/>
+            </a:endParaRPr>
+          </a:p>
+          <a:p>
+            <a:pPr marL="343080" indent="-342360">
+              <a:spcBef>
+                <a:spcPts val="1001"/>
+              </a:spcBef>
+              <a:buClr>
+                <a:srgbClr val="8AD0D6"/>
+              </a:buClr>
+              <a:buSzPct val="80000"/>
+              <a:buFont typeface="Wingdings 3" charset="2"/>
+              <a:buChar char=""/>
+            </a:pPr>
+            <a:r>
+              <a:rPr lang="it-IT" sz="2000" spc="-1" dirty="0">
+                <a:solidFill>
+                  <a:srgbClr val="FFFFFF"/>
+                </a:solidFill>
+                <a:latin typeface="Century Gothic"/>
+              </a:rPr>
+              <a:t>Create a TLS client/server </a:t>
+            </a:r>
+            <a:r>
+              <a:rPr lang="it-IT" sz="2000" spc="-1" dirty="0" err="1">
+                <a:solidFill>
+                  <a:srgbClr val="FFFFFF"/>
+                </a:solidFill>
+                <a:latin typeface="Century Gothic"/>
+              </a:rPr>
+              <a:t>socket</a:t>
+            </a:r>
+            <a:endParaRPr lang="en-US" sz="2000" b="0" strike="noStrike" spc="-1" dirty="0">
+              <a:latin typeface="Arial"/>
+            </a:endParaRPr>
+          </a:p>
+          <a:p>
+            <a:pPr marL="343080" indent="-342360">
+              <a:spcBef>
+                <a:spcPts val="1001"/>
+              </a:spcBef>
+              <a:buClr>
+                <a:srgbClr val="8AD0D6"/>
+              </a:buClr>
+              <a:buSzPct val="80000"/>
+              <a:buFont typeface="Wingdings 3" charset="2"/>
+              <a:buChar char=""/>
+            </a:pPr>
+            <a:endParaRPr lang="en-US" sz="2000" b="0" strike="noStrike" spc="-1" dirty="0">
+              <a:latin typeface="Arial"/>
+            </a:endParaRPr>
+          </a:p>
+          <a:p>
+            <a:pPr marL="800280" lvl="1" indent="-342360">
+              <a:spcBef>
+                <a:spcPts val="1001"/>
+              </a:spcBef>
+              <a:buClr>
+                <a:srgbClr val="8AD0D6"/>
+              </a:buClr>
+              <a:buSzPct val="80000"/>
+              <a:buFont typeface="Wingdings 3" charset="2"/>
+              <a:buChar char=""/>
+            </a:pPr>
+            <a:endParaRPr lang="en-US" sz="2000" b="0" strike="noStrike" spc="-1" dirty="0">
+              <a:latin typeface="Arial"/>
+            </a:endParaRPr>
+          </a:p>
+          <a:p>
+            <a:pPr marL="800280" lvl="1" indent="-342360">
+              <a:spcBef>
+                <a:spcPts val="1001"/>
+              </a:spcBef>
+              <a:buClr>
+                <a:srgbClr val="8AD0D6"/>
+              </a:buClr>
+              <a:buSzPct val="80000"/>
+              <a:buFont typeface="Wingdings 3" charset="2"/>
+              <a:buChar char=""/>
+            </a:pPr>
+            <a:endParaRPr lang="en-US" sz="2000" b="0" strike="noStrike" spc="-1" dirty="0">
+              <a:latin typeface="Arial"/>
+            </a:endParaRPr>
+          </a:p>
+          <a:p>
+            <a:pPr>
+              <a:lnSpc>
+                <a:spcPct val="100000"/>
+              </a:lnSpc>
+              <a:spcBef>
+                <a:spcPts val="1001"/>
+              </a:spcBef>
+            </a:pPr>
+            <a:endParaRPr lang="en-US" sz="2000" b="0" strike="noStrike" spc="-1" dirty="0">
+              <a:latin typeface="Arial"/>
+            </a:endParaRPr>
+          </a:p>
+          <a:p>
+            <a:pPr marL="343080" indent="-342360">
               <a:lnSpc>
                 <a:spcPct val="100000"/>
               </a:lnSpc>
@@ -10090,42 +9851,6 @@
               <a:buFont typeface="Wingdings 3" charset="2"/>
               <a:buChar char=""/>
             </a:pPr>
-            <a:r>
-              <a:rPr lang="it-IT" sz="2000" b="0" strike="noStrike" spc="-1" dirty="0">
-                <a:solidFill>
-                  <a:srgbClr val="FFFFFF"/>
-                </a:solidFill>
-                <a:latin typeface="Century Gothic"/>
-              </a:rPr>
-              <a:t>Follow the steps on the </a:t>
-            </a:r>
-            <a:r>
-              <a:rPr lang="it-IT" sz="2000" b="0" strike="noStrike" spc="-1" dirty="0" err="1">
-                <a:solidFill>
-                  <a:srgbClr val="FFFFFF"/>
-                </a:solidFill>
-                <a:latin typeface="Century Gothic"/>
-              </a:rPr>
-              <a:t>course</a:t>
-            </a:r>
-            <a:r>
-              <a:rPr lang="it-IT" sz="2000" b="0" strike="noStrike" spc="-1" dirty="0">
-                <a:solidFill>
-                  <a:srgbClr val="FFFFFF"/>
-                </a:solidFill>
-                <a:latin typeface="Century Gothic"/>
-              </a:rPr>
-              <a:t> </a:t>
-            </a:r>
-            <a:r>
-              <a:rPr lang="it-IT" sz="2000" b="0" strike="noStrike" spc="-1" dirty="0" err="1">
-                <a:solidFill>
-                  <a:srgbClr val="FFFFFF"/>
-                </a:solidFill>
-                <a:latin typeface="Century Gothic"/>
-              </a:rPr>
-              <a:t>material</a:t>
-            </a:r>
             <a:endParaRPr lang="it-IT" sz="2000" b="0" strike="noStrike" spc="-1" dirty="0">
               <a:solidFill>
                 <a:srgbClr val="FFFFFF"/>
